--- a/2018/06-June/St-Louis - PSFramework Configuration/presentation/presentation.pptx
+++ b/2018/06-June/St-Louis - PSFramework Configuration/presentation/presentation.pptx
@@ -119,6 +119,11 @@
       </a:defRPr>
     </a:lvl9pPr>
   </p:defaultTextStyle>
+  <p:extLst>
+    <p:ext uri="{EFAFB233-063F-42B5-8137-9DF3F51BA10A}">
+      <p15:sldGuideLst xmlns:p15="http://schemas.microsoft.com/office/powerpoint/2012/main"/>
+    </p:ext>
+  </p:extLst>
 </p:presentation>
 </file>
 
@@ -166,7 +171,7 @@
           </a:lstStyle>
           <a:p>
             <a:r>
-              <a:rPr lang="de-DE" smtClean="0"/>
+              <a:rPr lang="de-DE"/>
               <a:t>Titelmasterformat durch Klicken bearbeiten</a:t>
             </a:r>
             <a:endParaRPr lang="en-US" dirty="0"/>
@@ -286,7 +291,7 @@
           </a:lstStyle>
           <a:p>
             <a:r>
-              <a:rPr lang="de-DE" smtClean="0"/>
+              <a:rPr lang="de-DE"/>
               <a:t>Formatvorlage des Untertitelmasters durch Klicken bearbeiten</a:t>
             </a:r>
             <a:endParaRPr lang="en-US" dirty="0"/>
@@ -310,7 +315,7 @@
           <a:p>
             <a:fld id="{25FF2D46-70CE-49EA-AC86-17602C2E7896}" type="datetimeFigureOut">
               <a:rPr lang="de-DE" smtClean="0"/>
-              <a:t>12.06.2018</a:t>
+              <a:t>29.04.2019</a:t>
             </a:fld>
             <a:endParaRPr lang="de-DE"/>
           </a:p>
@@ -439,7 +444,7 @@
           <a:p>
             <a:fld id="{1F2147D3-4DF0-433C-896D-4F33E2247949}" type="slidenum">
               <a:rPr lang="de-DE" smtClean="0"/>
-              <a:t>‹Nr.›</a:t>
+              <a:t>‹#›</a:t>
             </a:fld>
             <a:endParaRPr lang="de-DE"/>
           </a:p>
@@ -502,7 +507,7 @@
           </a:lstStyle>
           <a:p>
             <a:r>
-              <a:rPr lang="de-DE" smtClean="0"/>
+              <a:rPr lang="de-DE"/>
               <a:t>Titelmasterformat durch Klicken bearbeiten</a:t>
             </a:r>
             <a:endParaRPr lang="en-US" dirty="0"/>
@@ -625,7 +630,7 @@
           <a:p>
             <a:pPr lvl="0"/>
             <a:r>
-              <a:rPr lang="de-DE" smtClean="0"/>
+              <a:rPr lang="de-DE"/>
               <a:t>Formatvorlagen des Textmasters bearbeiten</a:t>
             </a:r>
           </a:p>
@@ -648,7 +653,7 @@
           <a:p>
             <a:fld id="{25FF2D46-70CE-49EA-AC86-17602C2E7896}" type="datetimeFigureOut">
               <a:rPr lang="de-DE" smtClean="0"/>
-              <a:t>12.06.2018</a:t>
+              <a:t>29.04.2019</a:t>
             </a:fld>
             <a:endParaRPr lang="de-DE"/>
           </a:p>
@@ -777,7 +782,7 @@
           <a:p>
             <a:fld id="{1F2147D3-4DF0-433C-896D-4F33E2247949}" type="slidenum">
               <a:rPr lang="de-DE" smtClean="0"/>
-              <a:t>‹Nr.›</a:t>
+              <a:t>‹#›</a:t>
             </a:fld>
             <a:endParaRPr lang="de-DE"/>
           </a:p>
@@ -840,7 +845,7 @@
           </a:lstStyle>
           <a:p>
             <a:r>
-              <a:rPr lang="de-DE" smtClean="0"/>
+              <a:rPr lang="de-DE"/>
               <a:t>Titelmasterformat durch Klicken bearbeiten</a:t>
             </a:r>
             <a:endParaRPr lang="en-US" dirty="0"/>
@@ -904,7 +909,7 @@
           <a:p>
             <a:pPr lvl="0"/>
             <a:r>
-              <a:rPr lang="de-DE" smtClean="0"/>
+              <a:rPr lang="de-DE"/>
               <a:t>Formatvorlagen des Textmasters bearbeiten</a:t>
             </a:r>
           </a:p>
@@ -1026,7 +1031,7 @@
           <a:p>
             <a:pPr lvl="0"/>
             <a:r>
-              <a:rPr lang="de-DE" smtClean="0"/>
+              <a:rPr lang="de-DE"/>
               <a:t>Formatvorlagen des Textmasters bearbeiten</a:t>
             </a:r>
           </a:p>
@@ -1049,7 +1054,7 @@
           <a:p>
             <a:fld id="{25FF2D46-70CE-49EA-AC86-17602C2E7896}" type="datetimeFigureOut">
               <a:rPr lang="de-DE" smtClean="0"/>
-              <a:t>12.06.2018</a:t>
+              <a:t>29.04.2019</a:t>
             </a:fld>
             <a:endParaRPr lang="de-DE"/>
           </a:p>
@@ -1178,7 +1183,7 @@
           <a:p>
             <a:fld id="{1F2147D3-4DF0-433C-896D-4F33E2247949}" type="slidenum">
               <a:rPr lang="de-DE" smtClean="0"/>
-              <a:t>‹Nr.›</a:t>
+              <a:t>‹#›</a:t>
             </a:fld>
             <a:endParaRPr lang="de-DE"/>
           </a:p>
@@ -1317,7 +1322,7 @@
           </a:lstStyle>
           <a:p>
             <a:r>
-              <a:rPr lang="de-DE" smtClean="0"/>
+              <a:rPr lang="de-DE"/>
               <a:t>Titelmasterformat durch Klicken bearbeiten</a:t>
             </a:r>
             <a:endParaRPr lang="en-US" dirty="0"/>
@@ -1362,7 +1367,7 @@
               <a:buNone/>
             </a:pPr>
             <a:r>
-              <a:rPr lang="de-DE" smtClean="0"/>
+              <a:rPr lang="de-DE"/>
               <a:t>Formatvorlagen des Textmasters bearbeiten</a:t>
             </a:r>
           </a:p>
@@ -1385,7 +1390,7 @@
           <a:p>
             <a:fld id="{25FF2D46-70CE-49EA-AC86-17602C2E7896}" type="datetimeFigureOut">
               <a:rPr lang="de-DE" smtClean="0"/>
-              <a:t>12.06.2018</a:t>
+              <a:t>29.04.2019</a:t>
             </a:fld>
             <a:endParaRPr lang="de-DE"/>
           </a:p>
@@ -1514,7 +1519,7 @@
           <a:p>
             <a:fld id="{1F2147D3-4DF0-433C-896D-4F33E2247949}" type="slidenum">
               <a:rPr lang="de-DE" smtClean="0"/>
-              <a:t>‹Nr.›</a:t>
+              <a:t>‹#›</a:t>
             </a:fld>
             <a:endParaRPr lang="de-DE"/>
           </a:p>
@@ -1577,7 +1582,7 @@
           </a:lstStyle>
           <a:p>
             <a:r>
-              <a:rPr lang="de-DE" smtClean="0"/>
+              <a:rPr lang="de-DE"/>
               <a:t>Titelmasterformat durch Klicken bearbeiten</a:t>
             </a:r>
             <a:endParaRPr lang="en-US" dirty="0"/>
@@ -1638,7 +1643,7 @@
           <a:p>
             <a:pPr lvl="0"/>
             <a:r>
-              <a:rPr lang="de-DE" smtClean="0"/>
+              <a:rPr lang="de-DE"/>
               <a:t>Formatvorlagen des Textmasters bearbeiten</a:t>
             </a:r>
           </a:p>
@@ -1682,7 +1687,7 @@
               <a:buNone/>
             </a:pPr>
             <a:r>
-              <a:rPr lang="de-DE" smtClean="0"/>
+              <a:rPr lang="de-DE"/>
               <a:t>Formatvorlagen des Textmasters bearbeiten</a:t>
             </a:r>
           </a:p>
@@ -1705,7 +1710,7 @@
           <a:p>
             <a:fld id="{25FF2D46-70CE-49EA-AC86-17602C2E7896}" type="datetimeFigureOut">
               <a:rPr lang="de-DE" smtClean="0"/>
-              <a:t>12.06.2018</a:t>
+              <a:t>29.04.2019</a:t>
             </a:fld>
             <a:endParaRPr lang="de-DE"/>
           </a:p>
@@ -1834,7 +1839,7 @@
           <a:p>
             <a:fld id="{1F2147D3-4DF0-433C-896D-4F33E2247949}" type="slidenum">
               <a:rPr lang="de-DE" smtClean="0"/>
-              <a:t>‹Nr.›</a:t>
+              <a:t>‹#›</a:t>
             </a:fld>
             <a:endParaRPr lang="de-DE"/>
           </a:p>
@@ -1973,7 +1978,7 @@
           </a:lstStyle>
           <a:p>
             <a:r>
-              <a:rPr lang="de-DE" smtClean="0"/>
+              <a:rPr lang="de-DE"/>
               <a:t>Titelmasterformat durch Klicken bearbeiten</a:t>
             </a:r>
             <a:endParaRPr lang="en-US" dirty="0"/>
@@ -2034,7 +2039,7 @@
           <a:p>
             <a:pPr lvl="0"/>
             <a:r>
-              <a:rPr lang="de-DE" smtClean="0"/>
+              <a:rPr lang="de-DE"/>
               <a:t>Formatvorlagen des Textmasters bearbeiten</a:t>
             </a:r>
           </a:p>
@@ -2078,7 +2083,7 @@
               <a:buNone/>
             </a:pPr>
             <a:r>
-              <a:rPr lang="de-DE" smtClean="0"/>
+              <a:rPr lang="de-DE"/>
               <a:t>Formatvorlagen des Textmasters bearbeiten</a:t>
             </a:r>
           </a:p>
@@ -2101,7 +2106,7 @@
           <a:p>
             <a:fld id="{25FF2D46-70CE-49EA-AC86-17602C2E7896}" type="datetimeFigureOut">
               <a:rPr lang="de-DE" smtClean="0"/>
-              <a:t>12.06.2018</a:t>
+              <a:t>29.04.2019</a:t>
             </a:fld>
             <a:endParaRPr lang="de-DE"/>
           </a:p>
@@ -2230,7 +2235,7 @@
           <a:p>
             <a:fld id="{1F2147D3-4DF0-433C-896D-4F33E2247949}" type="slidenum">
               <a:rPr lang="de-DE" smtClean="0"/>
-              <a:t>‹Nr.›</a:t>
+              <a:t>‹#›</a:t>
             </a:fld>
             <a:endParaRPr lang="de-DE"/>
           </a:p>
@@ -2282,7 +2287,7 @@
           <a:lstStyle/>
           <a:p>
             <a:r>
-              <a:rPr lang="de-DE" smtClean="0"/>
+              <a:rPr lang="de-DE"/>
               <a:t>Titelmasterformat durch Klicken bearbeiten</a:t>
             </a:r>
             <a:endParaRPr lang="en-US" dirty="0"/>
@@ -2306,35 +2311,35 @@
           <a:p>
             <a:pPr lvl="0"/>
             <a:r>
-              <a:rPr lang="de-DE" smtClean="0"/>
+              <a:rPr lang="de-DE"/>
               <a:t>Formatvorlagen des Textmasters bearbeiten</a:t>
             </a:r>
           </a:p>
           <a:p>
             <a:pPr lvl="1"/>
             <a:r>
-              <a:rPr lang="de-DE" smtClean="0"/>
+              <a:rPr lang="de-DE"/>
               <a:t>Zweite Ebene</a:t>
             </a:r>
           </a:p>
           <a:p>
             <a:pPr lvl="2"/>
             <a:r>
-              <a:rPr lang="de-DE" smtClean="0"/>
+              <a:rPr lang="de-DE"/>
               <a:t>Dritte Ebene</a:t>
             </a:r>
           </a:p>
           <a:p>
             <a:pPr lvl="3"/>
             <a:r>
-              <a:rPr lang="de-DE" smtClean="0"/>
+              <a:rPr lang="de-DE"/>
               <a:t>Vierte Ebene</a:t>
             </a:r>
           </a:p>
           <a:p>
             <a:pPr lvl="4"/>
             <a:r>
-              <a:rPr lang="de-DE" smtClean="0"/>
+              <a:rPr lang="de-DE"/>
               <a:t>Fünfte Ebene</a:t>
             </a:r>
             <a:endParaRPr lang="en-US" dirty="0"/>
@@ -2358,7 +2363,7 @@
           <a:p>
             <a:fld id="{25FF2D46-70CE-49EA-AC86-17602C2E7896}" type="datetimeFigureOut">
               <a:rPr lang="de-DE" smtClean="0"/>
-              <a:t>12.06.2018</a:t>
+              <a:t>29.04.2019</a:t>
             </a:fld>
             <a:endParaRPr lang="de-DE"/>
           </a:p>
@@ -2482,7 +2487,7 @@
           <a:p>
             <a:fld id="{1F2147D3-4DF0-433C-896D-4F33E2247949}" type="slidenum">
               <a:rPr lang="de-DE" smtClean="0"/>
-              <a:t>‹Nr.›</a:t>
+              <a:t>‹#›</a:t>
             </a:fld>
             <a:endParaRPr lang="de-DE"/>
           </a:p>
@@ -2539,7 +2544,7 @@
           <a:lstStyle/>
           <a:p>
             <a:r>
-              <a:rPr lang="de-DE" smtClean="0"/>
+              <a:rPr lang="de-DE"/>
               <a:t>Titelmasterformat durch Klicken bearbeiten</a:t>
             </a:r>
             <a:endParaRPr lang="en-US" dirty="0"/>
@@ -2568,35 +2573,35 @@
           <a:p>
             <a:pPr lvl="0"/>
             <a:r>
-              <a:rPr lang="de-DE" smtClean="0"/>
+              <a:rPr lang="de-DE"/>
               <a:t>Formatvorlagen des Textmasters bearbeiten</a:t>
             </a:r>
           </a:p>
           <a:p>
             <a:pPr lvl="1"/>
             <a:r>
-              <a:rPr lang="de-DE" smtClean="0"/>
+              <a:rPr lang="de-DE"/>
               <a:t>Zweite Ebene</a:t>
             </a:r>
           </a:p>
           <a:p>
             <a:pPr lvl="2"/>
             <a:r>
-              <a:rPr lang="de-DE" smtClean="0"/>
+              <a:rPr lang="de-DE"/>
               <a:t>Dritte Ebene</a:t>
             </a:r>
           </a:p>
           <a:p>
             <a:pPr lvl="3"/>
             <a:r>
-              <a:rPr lang="de-DE" smtClean="0"/>
+              <a:rPr lang="de-DE"/>
               <a:t>Vierte Ebene</a:t>
             </a:r>
           </a:p>
           <a:p>
             <a:pPr lvl="4"/>
             <a:r>
-              <a:rPr lang="de-DE" smtClean="0"/>
+              <a:rPr lang="de-DE"/>
               <a:t>Fünfte Ebene</a:t>
             </a:r>
             <a:endParaRPr lang="en-US" dirty="0"/>
@@ -2620,7 +2625,7 @@
           <a:p>
             <a:fld id="{25FF2D46-70CE-49EA-AC86-17602C2E7896}" type="datetimeFigureOut">
               <a:rPr lang="de-DE" smtClean="0"/>
-              <a:t>12.06.2018</a:t>
+              <a:t>29.04.2019</a:t>
             </a:fld>
             <a:endParaRPr lang="de-DE"/>
           </a:p>
@@ -2744,7 +2749,7 @@
           <a:p>
             <a:fld id="{1F2147D3-4DF0-433C-896D-4F33E2247949}" type="slidenum">
               <a:rPr lang="de-DE" smtClean="0"/>
-              <a:t>‹Nr.›</a:t>
+              <a:t>‹#›</a:t>
             </a:fld>
             <a:endParaRPr lang="de-DE"/>
           </a:p>
@@ -2801,7 +2806,7 @@
           <a:lstStyle/>
           <a:p>
             <a:r>
-              <a:rPr lang="de-DE" smtClean="0"/>
+              <a:rPr lang="de-DE"/>
               <a:t>Titelmasterformat durch Klicken bearbeiten</a:t>
             </a:r>
             <a:endParaRPr lang="en-US" dirty="0"/>
@@ -2830,35 +2835,35 @@
           <a:p>
             <a:pPr lvl="0"/>
             <a:r>
-              <a:rPr lang="de-DE" smtClean="0"/>
+              <a:rPr lang="de-DE"/>
               <a:t>Formatvorlagen des Textmasters bearbeiten</a:t>
             </a:r>
           </a:p>
           <a:p>
             <a:pPr lvl="1"/>
             <a:r>
-              <a:rPr lang="de-DE" smtClean="0"/>
+              <a:rPr lang="de-DE"/>
               <a:t>Zweite Ebene</a:t>
             </a:r>
           </a:p>
           <a:p>
             <a:pPr lvl="2"/>
             <a:r>
-              <a:rPr lang="de-DE" smtClean="0"/>
+              <a:rPr lang="de-DE"/>
               <a:t>Dritte Ebene</a:t>
             </a:r>
           </a:p>
           <a:p>
             <a:pPr lvl="3"/>
             <a:r>
-              <a:rPr lang="de-DE" smtClean="0"/>
+              <a:rPr lang="de-DE"/>
               <a:t>Vierte Ebene</a:t>
             </a:r>
           </a:p>
           <a:p>
             <a:pPr lvl="4"/>
             <a:r>
-              <a:rPr lang="de-DE" smtClean="0"/>
+              <a:rPr lang="de-DE"/>
               <a:t>Fünfte Ebene</a:t>
             </a:r>
             <a:endParaRPr lang="en-US" dirty="0"/>
@@ -2882,7 +2887,7 @@
           <a:p>
             <a:fld id="{25FF2D46-70CE-49EA-AC86-17602C2E7896}" type="datetimeFigureOut">
               <a:rPr lang="de-DE" smtClean="0"/>
-              <a:t>12.06.2018</a:t>
+              <a:t>29.04.2019</a:t>
             </a:fld>
             <a:endParaRPr lang="de-DE"/>
           </a:p>
@@ -3006,7 +3011,7 @@
           <a:p>
             <a:fld id="{1F2147D3-4DF0-433C-896D-4F33E2247949}" type="slidenum">
               <a:rPr lang="de-DE" smtClean="0"/>
-              <a:t>‹Nr.›</a:t>
+              <a:t>‹#›</a:t>
             </a:fld>
             <a:endParaRPr lang="de-DE"/>
           </a:p>
@@ -3067,7 +3072,7 @@
           </a:lstStyle>
           <a:p>
             <a:r>
-              <a:rPr lang="de-DE" smtClean="0"/>
+              <a:rPr lang="de-DE"/>
               <a:t>Titelmasterformat durch Klicken bearbeiten</a:t>
             </a:r>
             <a:endParaRPr lang="en-US" dirty="0"/>
@@ -3188,7 +3193,7 @@
           <a:p>
             <a:pPr lvl="0"/>
             <a:r>
-              <a:rPr lang="de-DE" smtClean="0"/>
+              <a:rPr lang="de-DE"/>
               <a:t>Formatvorlagen des Textmasters bearbeiten</a:t>
             </a:r>
           </a:p>
@@ -3211,7 +3216,7 @@
           <a:p>
             <a:fld id="{25FF2D46-70CE-49EA-AC86-17602C2E7896}" type="datetimeFigureOut">
               <a:rPr lang="de-DE" smtClean="0"/>
-              <a:t>12.06.2018</a:t>
+              <a:t>29.04.2019</a:t>
             </a:fld>
             <a:endParaRPr lang="de-DE"/>
           </a:p>
@@ -3340,7 +3345,7 @@
           <a:p>
             <a:fld id="{1F2147D3-4DF0-433C-896D-4F33E2247949}" type="slidenum">
               <a:rPr lang="de-DE" smtClean="0"/>
-              <a:t>‹Nr.›</a:t>
+              <a:t>‹#›</a:t>
             </a:fld>
             <a:endParaRPr lang="de-DE"/>
           </a:p>
@@ -3392,7 +3397,7 @@
           <a:lstStyle/>
           <a:p>
             <a:r>
-              <a:rPr lang="de-DE" smtClean="0"/>
+              <a:rPr lang="de-DE"/>
               <a:t>Titelmasterformat durch Klicken bearbeiten</a:t>
             </a:r>
             <a:endParaRPr lang="en-US" dirty="0"/>
@@ -3423,35 +3428,35 @@
           <a:p>
             <a:pPr lvl="0"/>
             <a:r>
-              <a:rPr lang="de-DE" smtClean="0"/>
+              <a:rPr lang="de-DE"/>
               <a:t>Formatvorlagen des Textmasters bearbeiten</a:t>
             </a:r>
           </a:p>
           <a:p>
             <a:pPr lvl="1"/>
             <a:r>
-              <a:rPr lang="de-DE" smtClean="0"/>
+              <a:rPr lang="de-DE"/>
               <a:t>Zweite Ebene</a:t>
             </a:r>
           </a:p>
           <a:p>
             <a:pPr lvl="2"/>
             <a:r>
-              <a:rPr lang="de-DE" smtClean="0"/>
+              <a:rPr lang="de-DE"/>
               <a:t>Dritte Ebene</a:t>
             </a:r>
           </a:p>
           <a:p>
             <a:pPr lvl="3"/>
             <a:r>
-              <a:rPr lang="de-DE" smtClean="0"/>
+              <a:rPr lang="de-DE"/>
               <a:t>Vierte Ebene</a:t>
             </a:r>
           </a:p>
           <a:p>
             <a:pPr lvl="4"/>
             <a:r>
-              <a:rPr lang="de-DE" smtClean="0"/>
+              <a:rPr lang="de-DE"/>
               <a:t>Fünfte Ebene</a:t>
             </a:r>
             <a:endParaRPr lang="en-US" dirty="0"/>
@@ -3482,35 +3487,35 @@
           <a:p>
             <a:pPr lvl="0"/>
             <a:r>
-              <a:rPr lang="de-DE" smtClean="0"/>
+              <a:rPr lang="de-DE"/>
               <a:t>Formatvorlagen des Textmasters bearbeiten</a:t>
             </a:r>
           </a:p>
           <a:p>
             <a:pPr lvl="1"/>
             <a:r>
-              <a:rPr lang="de-DE" smtClean="0"/>
+              <a:rPr lang="de-DE"/>
               <a:t>Zweite Ebene</a:t>
             </a:r>
           </a:p>
           <a:p>
             <a:pPr lvl="2"/>
             <a:r>
-              <a:rPr lang="de-DE" smtClean="0"/>
+              <a:rPr lang="de-DE"/>
               <a:t>Dritte Ebene</a:t>
             </a:r>
           </a:p>
           <a:p>
             <a:pPr lvl="3"/>
             <a:r>
-              <a:rPr lang="de-DE" smtClean="0"/>
+              <a:rPr lang="de-DE"/>
               <a:t>Vierte Ebene</a:t>
             </a:r>
           </a:p>
           <a:p>
             <a:pPr lvl="4"/>
             <a:r>
-              <a:rPr lang="de-DE" smtClean="0"/>
+              <a:rPr lang="de-DE"/>
               <a:t>Fünfte Ebene</a:t>
             </a:r>
             <a:endParaRPr lang="en-US" dirty="0"/>
@@ -3534,7 +3539,7 @@
           <a:p>
             <a:fld id="{25FF2D46-70CE-49EA-AC86-17602C2E7896}" type="datetimeFigureOut">
               <a:rPr lang="de-DE" smtClean="0"/>
-              <a:t>12.06.2018</a:t>
+              <a:t>29.04.2019</a:t>
             </a:fld>
             <a:endParaRPr lang="de-DE"/>
           </a:p>
@@ -3663,7 +3668,7 @@
           <a:p>
             <a:fld id="{1F2147D3-4DF0-433C-896D-4F33E2247949}" type="slidenum">
               <a:rPr lang="de-DE" smtClean="0"/>
-              <a:t>‹Nr.›</a:t>
+              <a:t>‹#›</a:t>
             </a:fld>
             <a:endParaRPr lang="de-DE"/>
           </a:p>
@@ -3715,7 +3720,7 @@
           <a:lstStyle/>
           <a:p>
             <a:r>
-              <a:rPr lang="de-DE" smtClean="0"/>
+              <a:rPr lang="de-DE"/>
               <a:t>Titelmasterformat durch Klicken bearbeiten</a:t>
             </a:r>
             <a:endParaRPr lang="en-US" dirty="0"/>
@@ -3783,7 +3788,7 @@
           <a:p>
             <a:pPr lvl="0"/>
             <a:r>
-              <a:rPr lang="de-DE" smtClean="0"/>
+              <a:rPr lang="de-DE"/>
               <a:t>Formatvorlagen des Textmasters bearbeiten</a:t>
             </a:r>
           </a:p>
@@ -3813,35 +3818,35 @@
           <a:p>
             <a:pPr lvl="0"/>
             <a:r>
-              <a:rPr lang="de-DE" smtClean="0"/>
+              <a:rPr lang="de-DE"/>
               <a:t>Formatvorlagen des Textmasters bearbeiten</a:t>
             </a:r>
           </a:p>
           <a:p>
             <a:pPr lvl="1"/>
             <a:r>
-              <a:rPr lang="de-DE" smtClean="0"/>
+              <a:rPr lang="de-DE"/>
               <a:t>Zweite Ebene</a:t>
             </a:r>
           </a:p>
           <a:p>
             <a:pPr lvl="2"/>
             <a:r>
-              <a:rPr lang="de-DE" smtClean="0"/>
+              <a:rPr lang="de-DE"/>
               <a:t>Dritte Ebene</a:t>
             </a:r>
           </a:p>
           <a:p>
             <a:pPr lvl="3"/>
             <a:r>
-              <a:rPr lang="de-DE" smtClean="0"/>
+              <a:rPr lang="de-DE"/>
               <a:t>Vierte Ebene</a:t>
             </a:r>
           </a:p>
           <a:p>
             <a:pPr lvl="4"/>
             <a:r>
-              <a:rPr lang="de-DE" smtClean="0"/>
+              <a:rPr lang="de-DE"/>
               <a:t>Fünfte Ebene</a:t>
             </a:r>
             <a:endParaRPr lang="en-US" dirty="0"/>
@@ -3909,7 +3914,7 @@
           <a:p>
             <a:pPr lvl="0"/>
             <a:r>
-              <a:rPr lang="de-DE" smtClean="0"/>
+              <a:rPr lang="de-DE"/>
               <a:t>Formatvorlagen des Textmasters bearbeiten</a:t>
             </a:r>
           </a:p>
@@ -3939,35 +3944,35 @@
           <a:p>
             <a:pPr lvl="0"/>
             <a:r>
-              <a:rPr lang="de-DE" smtClean="0"/>
+              <a:rPr lang="de-DE"/>
               <a:t>Formatvorlagen des Textmasters bearbeiten</a:t>
             </a:r>
           </a:p>
           <a:p>
             <a:pPr lvl="1"/>
             <a:r>
-              <a:rPr lang="de-DE" smtClean="0"/>
+              <a:rPr lang="de-DE"/>
               <a:t>Zweite Ebene</a:t>
             </a:r>
           </a:p>
           <a:p>
             <a:pPr lvl="2"/>
             <a:r>
-              <a:rPr lang="de-DE" smtClean="0"/>
+              <a:rPr lang="de-DE"/>
               <a:t>Dritte Ebene</a:t>
             </a:r>
           </a:p>
           <a:p>
             <a:pPr lvl="3"/>
             <a:r>
-              <a:rPr lang="de-DE" smtClean="0"/>
+              <a:rPr lang="de-DE"/>
               <a:t>Vierte Ebene</a:t>
             </a:r>
           </a:p>
           <a:p>
             <a:pPr lvl="4"/>
             <a:r>
-              <a:rPr lang="de-DE" smtClean="0"/>
+              <a:rPr lang="de-DE"/>
               <a:t>Fünfte Ebene</a:t>
             </a:r>
             <a:endParaRPr lang="en-US" dirty="0"/>
@@ -3991,7 +3996,7 @@
           <a:p>
             <a:fld id="{25FF2D46-70CE-49EA-AC86-17602C2E7896}" type="datetimeFigureOut">
               <a:rPr lang="de-DE" smtClean="0"/>
-              <a:t>12.06.2018</a:t>
+              <a:t>29.04.2019</a:t>
             </a:fld>
             <a:endParaRPr lang="de-DE"/>
           </a:p>
@@ -4120,7 +4125,7 @@
           <a:p>
             <a:fld id="{1F2147D3-4DF0-433C-896D-4F33E2247949}" type="slidenum">
               <a:rPr lang="de-DE" smtClean="0"/>
-              <a:t>‹Nr.›</a:t>
+              <a:t>‹#›</a:t>
             </a:fld>
             <a:endParaRPr lang="de-DE"/>
           </a:p>
@@ -4172,7 +4177,7 @@
           <a:lstStyle/>
           <a:p>
             <a:r>
-              <a:rPr lang="de-DE" smtClean="0"/>
+              <a:rPr lang="de-DE"/>
               <a:t>Titelmasterformat durch Klicken bearbeiten</a:t>
             </a:r>
             <a:endParaRPr lang="en-US" dirty="0"/>
@@ -4196,7 +4201,7 @@
           <a:p>
             <a:fld id="{25FF2D46-70CE-49EA-AC86-17602C2E7896}" type="datetimeFigureOut">
               <a:rPr lang="de-DE" smtClean="0"/>
-              <a:t>12.06.2018</a:t>
+              <a:t>29.04.2019</a:t>
             </a:fld>
             <a:endParaRPr lang="de-DE"/>
           </a:p>
@@ -4320,7 +4325,7 @@
           <a:p>
             <a:fld id="{1F2147D3-4DF0-433C-896D-4F33E2247949}" type="slidenum">
               <a:rPr lang="de-DE" smtClean="0"/>
-              <a:t>‹Nr.›</a:t>
+              <a:t>‹#›</a:t>
             </a:fld>
             <a:endParaRPr lang="de-DE"/>
           </a:p>
@@ -4373,7 +4378,7 @@
           <a:p>
             <a:fld id="{25FF2D46-70CE-49EA-AC86-17602C2E7896}" type="datetimeFigureOut">
               <a:rPr lang="de-DE" smtClean="0"/>
-              <a:t>12.06.2018</a:t>
+              <a:t>29.04.2019</a:t>
             </a:fld>
             <a:endParaRPr lang="de-DE"/>
           </a:p>
@@ -4497,7 +4502,7 @@
           <a:p>
             <a:fld id="{1F2147D3-4DF0-433C-896D-4F33E2247949}" type="slidenum">
               <a:rPr lang="de-DE" smtClean="0"/>
-              <a:t>‹Nr.›</a:t>
+              <a:t>‹#›</a:t>
             </a:fld>
             <a:endParaRPr lang="de-DE"/>
           </a:p>
@@ -4558,7 +4563,7 @@
           </a:lstStyle>
           <a:p>
             <a:r>
-              <a:rPr lang="de-DE" smtClean="0"/>
+              <a:rPr lang="de-DE"/>
               <a:t>Titelmasterformat durch Klicken bearbeiten</a:t>
             </a:r>
             <a:endParaRPr lang="en-US" dirty="0"/>
@@ -4589,35 +4594,35 @@
           <a:p>
             <a:pPr lvl="0"/>
             <a:r>
-              <a:rPr lang="de-DE" smtClean="0"/>
+              <a:rPr lang="de-DE"/>
               <a:t>Formatvorlagen des Textmasters bearbeiten</a:t>
             </a:r>
           </a:p>
           <a:p>
             <a:pPr lvl="1"/>
             <a:r>
-              <a:rPr lang="de-DE" smtClean="0"/>
+              <a:rPr lang="de-DE"/>
               <a:t>Zweite Ebene</a:t>
             </a:r>
           </a:p>
           <a:p>
             <a:pPr lvl="2"/>
             <a:r>
-              <a:rPr lang="de-DE" smtClean="0"/>
+              <a:rPr lang="de-DE"/>
               <a:t>Dritte Ebene</a:t>
             </a:r>
           </a:p>
           <a:p>
             <a:pPr lvl="3"/>
             <a:r>
-              <a:rPr lang="de-DE" smtClean="0"/>
+              <a:rPr lang="de-DE"/>
               <a:t>Vierte Ebene</a:t>
             </a:r>
           </a:p>
           <a:p>
             <a:pPr lvl="4"/>
             <a:r>
-              <a:rPr lang="de-DE" smtClean="0"/>
+              <a:rPr lang="de-DE"/>
               <a:t>Fünfte Ebene</a:t>
             </a:r>
             <a:endParaRPr lang="en-US" dirty="0"/>
@@ -4683,7 +4688,7 @@
           <a:p>
             <a:pPr lvl="0"/>
             <a:r>
-              <a:rPr lang="de-DE" smtClean="0"/>
+              <a:rPr lang="de-DE"/>
               <a:t>Formatvorlagen des Textmasters bearbeiten</a:t>
             </a:r>
           </a:p>
@@ -4706,7 +4711,7 @@
           <a:p>
             <a:fld id="{25FF2D46-70CE-49EA-AC86-17602C2E7896}" type="datetimeFigureOut">
               <a:rPr lang="de-DE" smtClean="0"/>
-              <a:t>12.06.2018</a:t>
+              <a:t>29.04.2019</a:t>
             </a:fld>
             <a:endParaRPr lang="de-DE"/>
           </a:p>
@@ -4830,7 +4835,7 @@
           <a:p>
             <a:fld id="{1F2147D3-4DF0-433C-896D-4F33E2247949}" type="slidenum">
               <a:rPr lang="de-DE" smtClean="0"/>
-              <a:t>‹Nr.›</a:t>
+              <a:t>‹#›</a:t>
             </a:fld>
             <a:endParaRPr lang="de-DE"/>
           </a:p>
@@ -4893,7 +4898,7 @@
           </a:lstStyle>
           <a:p>
             <a:r>
-              <a:rPr lang="de-DE" smtClean="0"/>
+              <a:rPr lang="de-DE"/>
               <a:t>Titelmasterformat durch Klicken bearbeiten</a:t>
             </a:r>
             <a:endParaRPr lang="en-US" dirty="0"/>
@@ -4960,7 +4965,7 @@
           </a:lstStyle>
           <a:p>
             <a:r>
-              <a:rPr lang="de-DE" smtClean="0"/>
+              <a:rPr lang="de-DE"/>
               <a:t>Bild durch Klicken auf Symbol hinzufügen</a:t>
             </a:r>
             <a:endParaRPr lang="en-US" dirty="0"/>
@@ -5028,7 +5033,7 @@
           <a:p>
             <a:pPr lvl="0"/>
             <a:r>
-              <a:rPr lang="de-DE" smtClean="0"/>
+              <a:rPr lang="de-DE"/>
               <a:t>Formatvorlagen des Textmasters bearbeiten</a:t>
             </a:r>
           </a:p>
@@ -5051,7 +5056,7 @@
           <a:p>
             <a:fld id="{25FF2D46-70CE-49EA-AC86-17602C2E7896}" type="datetimeFigureOut">
               <a:rPr lang="de-DE" smtClean="0"/>
-              <a:t>12.06.2018</a:t>
+              <a:t>29.04.2019</a:t>
             </a:fld>
             <a:endParaRPr lang="de-DE"/>
           </a:p>
@@ -5180,7 +5185,7 @@
           <a:p>
             <a:fld id="{1F2147D3-4DF0-433C-896D-4F33E2247949}" type="slidenum">
               <a:rPr lang="de-DE" smtClean="0"/>
-              <a:t>‹Nr.›</a:t>
+              <a:t>‹#›</a:t>
             </a:fld>
             <a:endParaRPr lang="de-DE"/>
           </a:p>
@@ -7064,7 +7069,7 @@
           <a:lstStyle/>
           <a:p>
             <a:r>
-              <a:rPr lang="de-DE" smtClean="0"/>
+              <a:rPr lang="de-DE"/>
               <a:t>Titelmasterformat durch Klicken bearbeiten</a:t>
             </a:r>
             <a:endParaRPr lang="en-US" dirty="0"/>
@@ -7098,35 +7103,35 @@
           <a:p>
             <a:pPr lvl="0"/>
             <a:r>
-              <a:rPr lang="de-DE" smtClean="0"/>
+              <a:rPr lang="de-DE"/>
               <a:t>Formatvorlagen des Textmasters bearbeiten</a:t>
             </a:r>
           </a:p>
           <a:p>
             <a:pPr lvl="1"/>
             <a:r>
-              <a:rPr lang="de-DE" smtClean="0"/>
+              <a:rPr lang="de-DE"/>
               <a:t>Zweite Ebene</a:t>
             </a:r>
           </a:p>
           <a:p>
             <a:pPr lvl="2"/>
             <a:r>
-              <a:rPr lang="de-DE" smtClean="0"/>
+              <a:rPr lang="de-DE"/>
               <a:t>Dritte Ebene</a:t>
             </a:r>
           </a:p>
           <a:p>
             <a:pPr lvl="3"/>
             <a:r>
-              <a:rPr lang="de-DE" smtClean="0"/>
+              <a:rPr lang="de-DE"/>
               <a:t>Vierte Ebene</a:t>
             </a:r>
           </a:p>
           <a:p>
             <a:pPr lvl="4"/>
             <a:r>
-              <a:rPr lang="de-DE" smtClean="0"/>
+              <a:rPr lang="de-DE"/>
               <a:t>Fünfte Ebene</a:t>
             </a:r>
             <a:endParaRPr lang="en-US" dirty="0"/>
@@ -7168,7 +7173,7 @@
           <a:p>
             <a:fld id="{25FF2D46-70CE-49EA-AC86-17602C2E7896}" type="datetimeFigureOut">
               <a:rPr lang="de-DE" smtClean="0"/>
-              <a:t>12.06.2018</a:t>
+              <a:t>29.04.2019</a:t>
             </a:fld>
             <a:endParaRPr lang="de-DE"/>
           </a:p>
@@ -7244,7 +7249,7 @@
           <a:p>
             <a:fld id="{1F2147D3-4DF0-433C-896D-4F33E2247949}" type="slidenum">
               <a:rPr lang="de-DE" smtClean="0"/>
-              <a:t>‹Nr.›</a:t>
+              <a:t>‹#›</a:t>
             </a:fld>
             <a:endParaRPr lang="de-DE"/>
           </a:p>
@@ -7702,7 +7707,7 @@
           <a:lstStyle/>
           <a:p>
             <a:r>
-              <a:rPr lang="de-DE" dirty="0" err="1" smtClean="0"/>
+              <a:rPr lang="de-DE" dirty="0" err="1"/>
               <a:t>Configuration</a:t>
             </a:r>
             <a:endParaRPr lang="de-DE" dirty="0"/>
@@ -7727,18 +7732,17 @@
           <a:lstStyle/>
           <a:p>
             <a:r>
-              <a:rPr lang="de-DE" sz="1800" i="1" dirty="0" smtClean="0"/>
+              <a:rPr lang="de-DE" sz="1800" i="1" dirty="0"/>
               <a:t>A </a:t>
             </a:r>
             <a:r>
-              <a:rPr lang="de-DE" sz="1800" i="1" dirty="0" err="1" smtClean="0"/>
+              <a:rPr lang="de-DE" sz="1800" i="1" dirty="0" err="1"/>
               <a:t>PSFramework</a:t>
             </a:r>
             <a:r>
-              <a:rPr lang="de-DE" sz="1800" i="1" dirty="0" smtClean="0"/>
+              <a:rPr lang="de-DE" sz="1800" i="1" dirty="0"/>
               <a:t> Tale</a:t>
             </a:r>
-            <a:endParaRPr lang="de-DE" sz="1800" i="1" dirty="0"/>
           </a:p>
         </p:txBody>
       </p:sp>
@@ -7752,13 +7756,6 @@
   <p:clrMapOvr>
     <a:masterClrMapping/>
   </p:clrMapOvr>
-  <p:timing>
-    <p:tnLst>
-      <p:par>
-        <p:cTn id="1" dur="indefinite" restart="never" nodeType="tmRoot"/>
-      </p:par>
-    </p:tnLst>
-  </p:timing>
 </p:sld>
 </file>
 
@@ -7795,14 +7792,13 @@
           <a:lstStyle/>
           <a:p>
             <a:r>
-              <a:rPr lang="de-DE" dirty="0" err="1" smtClean="0"/>
+              <a:rPr lang="de-DE" dirty="0" err="1"/>
               <a:t>Configuration</a:t>
             </a:r>
             <a:r>
-              <a:rPr lang="de-DE" dirty="0" smtClean="0"/>
+              <a:rPr lang="de-DE" dirty="0"/>
               <a:t>: Basics</a:t>
             </a:r>
-            <a:endParaRPr lang="de-DE" dirty="0"/>
           </a:p>
         </p:txBody>
       </p:sp>
@@ -7822,113 +7818,113 @@
           <a:lstStyle/>
           <a:p>
             <a:r>
-              <a:rPr lang="de-DE" sz="3200" dirty="0" smtClean="0"/>
+              <a:rPr lang="de-DE" sz="3200" dirty="0"/>
               <a:t>Think </a:t>
             </a:r>
             <a:r>
-              <a:rPr lang="de-DE" sz="3200" dirty="0" err="1" smtClean="0"/>
+              <a:rPr lang="de-DE" sz="3200" dirty="0" err="1"/>
               <a:t>Hashtable</a:t>
             </a:r>
             <a:r>
-              <a:rPr lang="de-DE" sz="3200" dirty="0" smtClean="0"/>
+              <a:rPr lang="de-DE" sz="3200" dirty="0"/>
               <a:t> (but </a:t>
             </a:r>
             <a:r>
-              <a:rPr lang="de-DE" sz="3200" dirty="0" err="1" smtClean="0"/>
+              <a:rPr lang="de-DE" sz="3200" dirty="0" err="1"/>
               <a:t>better</a:t>
             </a:r>
             <a:r>
-              <a:rPr lang="de-DE" sz="3200" dirty="0" smtClean="0"/>
+              <a:rPr lang="de-DE" sz="3200" dirty="0"/>
               <a:t>!)</a:t>
             </a:r>
           </a:p>
           <a:p>
             <a:r>
-              <a:rPr lang="de-DE" sz="3200" dirty="0" err="1" smtClean="0"/>
+              <a:rPr lang="de-DE" sz="3200" dirty="0" err="1"/>
               <a:t>Knows</a:t>
             </a:r>
             <a:r>
-              <a:rPr lang="de-DE" sz="3200" dirty="0" smtClean="0"/>
+              <a:rPr lang="de-DE" sz="3200" dirty="0"/>
               <a:t> </a:t>
             </a:r>
             <a:r>
-              <a:rPr lang="de-DE" sz="3200" dirty="0" err="1" smtClean="0"/>
+              <a:rPr lang="de-DE" sz="3200" dirty="0" err="1"/>
               <a:t>no</a:t>
             </a:r>
             <a:r>
-              <a:rPr lang="de-DE" sz="3200" dirty="0" smtClean="0"/>
+              <a:rPr lang="de-DE" sz="3200" dirty="0"/>
               <a:t> Scopes</a:t>
             </a:r>
           </a:p>
           <a:p>
             <a:r>
-              <a:rPr lang="de-DE" sz="3200" dirty="0" err="1" smtClean="0"/>
+              <a:rPr lang="de-DE" sz="3200" dirty="0" err="1"/>
               <a:t>Knows</a:t>
             </a:r>
             <a:r>
-              <a:rPr lang="de-DE" sz="3200" dirty="0" smtClean="0"/>
+              <a:rPr lang="de-DE" sz="3200" dirty="0"/>
               <a:t> </a:t>
             </a:r>
             <a:r>
-              <a:rPr lang="de-DE" sz="3200" dirty="0" err="1" smtClean="0"/>
+              <a:rPr lang="de-DE" sz="3200" dirty="0" err="1"/>
               <a:t>no</a:t>
             </a:r>
             <a:r>
-              <a:rPr lang="de-DE" sz="3200" dirty="0" smtClean="0"/>
+              <a:rPr lang="de-DE" sz="3200" dirty="0"/>
               <a:t> </a:t>
             </a:r>
             <a:r>
-              <a:rPr lang="de-DE" sz="3200" dirty="0" err="1" smtClean="0"/>
+              <a:rPr lang="de-DE" sz="3200" dirty="0" err="1"/>
               <a:t>Runspaces</a:t>
             </a:r>
-            <a:endParaRPr lang="de-DE" sz="3200" dirty="0" smtClean="0"/>
-          </a:p>
-          <a:p>
-            <a:r>
-              <a:rPr lang="de-DE" sz="3200" dirty="0" err="1" smtClean="0"/>
+            <a:endParaRPr lang="de-DE" sz="3200" dirty="0"/>
+          </a:p>
+          <a:p>
+            <a:r>
+              <a:rPr lang="de-DE" sz="3200" dirty="0" err="1"/>
               <a:t>Automatic</a:t>
             </a:r>
             <a:r>
-              <a:rPr lang="de-DE" sz="3200" dirty="0" smtClean="0"/>
+              <a:rPr lang="de-DE" sz="3200" dirty="0"/>
               <a:t>, explicit </a:t>
             </a:r>
             <a:r>
-              <a:rPr lang="de-DE" sz="3200" dirty="0" err="1" smtClean="0"/>
+              <a:rPr lang="de-DE" sz="3200" dirty="0" err="1"/>
               <a:t>and</a:t>
             </a:r>
             <a:r>
-              <a:rPr lang="de-DE" sz="3200" dirty="0" smtClean="0"/>
+              <a:rPr lang="de-DE" sz="3200" dirty="0"/>
               <a:t> </a:t>
             </a:r>
             <a:r>
-              <a:rPr lang="de-DE" sz="3200" dirty="0" err="1" smtClean="0"/>
+              <a:rPr lang="de-DE" sz="3200" dirty="0" err="1"/>
               <a:t>manual</a:t>
             </a:r>
             <a:r>
-              <a:rPr lang="de-DE" sz="3200" dirty="0" smtClean="0"/>
+              <a:rPr lang="de-DE" sz="3200" dirty="0"/>
               <a:t> </a:t>
             </a:r>
             <a:r>
-              <a:rPr lang="de-DE" sz="3200" dirty="0" err="1" smtClean="0"/>
+              <a:rPr lang="de-DE" sz="3200" dirty="0" err="1"/>
               <a:t>import</a:t>
             </a:r>
             <a:r>
-              <a:rPr lang="de-DE" sz="3200" dirty="0" smtClean="0"/>
+              <a:rPr lang="de-DE" sz="3200" dirty="0"/>
               <a:t> </a:t>
             </a:r>
             <a:r>
-              <a:rPr lang="de-DE" sz="3200" dirty="0" err="1" smtClean="0"/>
+              <a:rPr lang="de-DE" sz="3200" dirty="0" err="1"/>
               <a:t>of</a:t>
             </a:r>
             <a:r>
-              <a:rPr lang="de-DE" sz="3200" dirty="0" smtClean="0"/>
+              <a:rPr lang="de-DE" sz="3200" dirty="0"/>
               <a:t> </a:t>
             </a:r>
             <a:r>
-              <a:rPr lang="de-DE" sz="3200" dirty="0" err="1" smtClean="0"/>
+              <a:rPr lang="de-DE" sz="3200" dirty="0" err="1"/>
               <a:t>settings</a:t>
             </a:r>
-            <a:endParaRPr lang="de-DE" sz="3200" dirty="0" smtClean="0"/>
+            <a:endParaRPr lang="de-DE" sz="3200" dirty="0"/>
           </a:p>
         </p:txBody>
       </p:sp>
@@ -7978,30 +7974,29 @@
           <a:lstStyle/>
           <a:p>
             <a:r>
-              <a:rPr lang="de-DE" dirty="0" err="1" smtClean="0"/>
+              <a:rPr lang="de-DE" dirty="0" err="1"/>
               <a:t>Configuration</a:t>
             </a:r>
             <a:r>
-              <a:rPr lang="de-DE" dirty="0" smtClean="0"/>
+              <a:rPr lang="de-DE" dirty="0"/>
               <a:t>, but </a:t>
             </a:r>
             <a:r>
-              <a:rPr lang="de-DE" dirty="0" err="1" smtClean="0"/>
+              <a:rPr lang="de-DE" dirty="0" err="1"/>
               <a:t>from</a:t>
             </a:r>
             <a:r>
-              <a:rPr lang="de-DE" dirty="0" smtClean="0"/>
+              <a:rPr lang="de-DE" dirty="0"/>
               <a:t> </a:t>
             </a:r>
             <a:r>
-              <a:rPr lang="de-DE" dirty="0" err="1" smtClean="0"/>
+              <a:rPr lang="de-DE" dirty="0" err="1"/>
               <a:t>where</a:t>
             </a:r>
             <a:r>
-              <a:rPr lang="de-DE" dirty="0" smtClean="0"/>
+              <a:rPr lang="de-DE" dirty="0"/>
               <a:t>?</a:t>
             </a:r>
-            <a:endParaRPr lang="de-DE" dirty="0"/>
           </a:p>
         </p:txBody>
       </p:sp>
@@ -8023,211 +8018,207 @@
           <a:lstStyle/>
           <a:p>
             <a:r>
-              <a:rPr lang="de-DE" sz="2800" dirty="0" err="1" smtClean="0"/>
+              <a:rPr lang="de-DE" sz="2800" dirty="0" err="1"/>
               <a:t>Several</a:t>
             </a:r>
             <a:r>
-              <a:rPr lang="de-DE" sz="2800" dirty="0" smtClean="0"/>
+              <a:rPr lang="de-DE" sz="2800" dirty="0"/>
               <a:t> </a:t>
             </a:r>
             <a:r>
-              <a:rPr lang="de-DE" sz="2800" dirty="0" err="1" smtClean="0"/>
+              <a:rPr lang="de-DE" sz="2800" dirty="0" err="1"/>
               <a:t>sources</a:t>
             </a:r>
             <a:r>
-              <a:rPr lang="de-DE" sz="2800" dirty="0" smtClean="0"/>
+              <a:rPr lang="de-DE" sz="2800" dirty="0"/>
               <a:t> </a:t>
             </a:r>
             <a:r>
-              <a:rPr lang="de-DE" sz="2800" dirty="0" err="1" smtClean="0"/>
+              <a:rPr lang="de-DE" sz="2800" dirty="0" err="1"/>
               <a:t>supported</a:t>
             </a:r>
-            <a:endParaRPr lang="de-DE" sz="2800" dirty="0" smtClean="0"/>
-          </a:p>
-          <a:p>
-            <a:r>
-              <a:rPr lang="de-DE" sz="2800" dirty="0" smtClean="0"/>
+            <a:endParaRPr lang="de-DE" sz="2800" dirty="0"/>
+          </a:p>
+          <a:p>
+            <a:r>
+              <a:rPr lang="de-DE" sz="2800" dirty="0"/>
               <a:t>Source </a:t>
             </a:r>
             <a:r>
-              <a:rPr lang="de-DE" sz="2800" dirty="0" err="1" smtClean="0"/>
+              <a:rPr lang="de-DE" sz="2800" dirty="0" err="1"/>
               <a:t>has</a:t>
             </a:r>
             <a:r>
-              <a:rPr lang="de-DE" sz="2800" dirty="0" smtClean="0"/>
+              <a:rPr lang="de-DE" sz="2800" dirty="0"/>
               <a:t> </a:t>
             </a:r>
             <a:r>
               <a:rPr lang="de-DE" sz="2800" dirty="0" err="1"/>
-              <a:t>n</a:t>
-            </a:r>
-            <a:r>
-              <a:rPr lang="de-DE" sz="2800" dirty="0" err="1" smtClean="0"/>
-              <a:t>o</a:t>
-            </a:r>
-            <a:r>
-              <a:rPr lang="de-DE" sz="2800" dirty="0" smtClean="0"/>
+              <a:t>no</a:t>
+            </a:r>
+            <a:r>
+              <a:rPr lang="de-DE" sz="2800" dirty="0"/>
               <a:t> </a:t>
             </a:r>
             <a:r>
-              <a:rPr lang="de-DE" sz="2800" dirty="0" err="1" smtClean="0"/>
+              <a:rPr lang="de-DE" sz="2800" dirty="0" err="1"/>
               <a:t>effect</a:t>
             </a:r>
             <a:r>
-              <a:rPr lang="de-DE" sz="2800" dirty="0" smtClean="0"/>
+              <a:rPr lang="de-DE" sz="2800" dirty="0"/>
               <a:t> on </a:t>
             </a:r>
             <a:r>
-              <a:rPr lang="de-DE" sz="2800" dirty="0" err="1" smtClean="0"/>
+              <a:rPr lang="de-DE" sz="2800" dirty="0" err="1"/>
               <a:t>how</a:t>
             </a:r>
             <a:r>
-              <a:rPr lang="de-DE" sz="2800" dirty="0" smtClean="0"/>
+              <a:rPr lang="de-DE" sz="2800" dirty="0"/>
               <a:t> </a:t>
             </a:r>
             <a:r>
-              <a:rPr lang="de-DE" sz="2800" dirty="0" err="1" smtClean="0"/>
+              <a:rPr lang="de-DE" sz="2800" dirty="0" err="1"/>
               <a:t>code</a:t>
             </a:r>
             <a:r>
-              <a:rPr lang="de-DE" sz="2800" dirty="0" smtClean="0"/>
+              <a:rPr lang="de-DE" sz="2800" dirty="0"/>
               <a:t> </a:t>
             </a:r>
             <a:r>
-              <a:rPr lang="de-DE" sz="2800" dirty="0" err="1" smtClean="0"/>
+              <a:rPr lang="de-DE" sz="2800" dirty="0" err="1"/>
               <a:t>uses</a:t>
             </a:r>
             <a:r>
-              <a:rPr lang="de-DE" sz="2800" dirty="0" smtClean="0"/>
+              <a:rPr lang="de-DE" sz="2800" dirty="0"/>
               <a:t> </a:t>
             </a:r>
             <a:r>
-              <a:rPr lang="de-DE" sz="2800" dirty="0" err="1" smtClean="0"/>
+              <a:rPr lang="de-DE" sz="2800" dirty="0" err="1"/>
               <a:t>settings</a:t>
             </a:r>
-            <a:endParaRPr lang="de-DE" sz="2800" dirty="0" smtClean="0"/>
-          </a:p>
-          <a:p>
             <a:endParaRPr lang="de-DE" sz="2800" dirty="0"/>
           </a:p>
           <a:p>
-            <a:r>
-              <a:rPr lang="de-DE" sz="2800" dirty="0" err="1" smtClean="0"/>
+            <a:endParaRPr lang="de-DE" sz="2800" dirty="0"/>
+          </a:p>
+          <a:p>
+            <a:r>
+              <a:rPr lang="de-DE" sz="2800" dirty="0" err="1"/>
               <a:t>Automatically</a:t>
             </a:r>
             <a:r>
-              <a:rPr lang="de-DE" sz="2800" dirty="0" smtClean="0"/>
+              <a:rPr lang="de-DE" sz="2800" dirty="0"/>
               <a:t> </a:t>
             </a:r>
             <a:r>
-              <a:rPr lang="de-DE" sz="2800" dirty="0" err="1" smtClean="0"/>
+              <a:rPr lang="de-DE" sz="2800" dirty="0" err="1"/>
               <a:t>imported</a:t>
             </a:r>
             <a:r>
-              <a:rPr lang="de-DE" sz="2800" dirty="0" smtClean="0"/>
+              <a:rPr lang="de-DE" sz="2800" dirty="0"/>
               <a:t> </a:t>
             </a:r>
             <a:r>
-              <a:rPr lang="de-DE" sz="2800" dirty="0" err="1" smtClean="0"/>
+              <a:rPr lang="de-DE" sz="2800" dirty="0" err="1"/>
               <a:t>from</a:t>
             </a:r>
             <a:r>
-              <a:rPr lang="de-DE" sz="2800" dirty="0" smtClean="0"/>
+              <a:rPr lang="de-DE" sz="2800" dirty="0"/>
               <a:t> Registry</a:t>
             </a:r>
           </a:p>
           <a:p>
             <a:r>
-              <a:rPr lang="de-DE" sz="2800" dirty="0" err="1" smtClean="0"/>
+              <a:rPr lang="de-DE" sz="2800" dirty="0" err="1"/>
               <a:t>Automatically</a:t>
             </a:r>
             <a:r>
-              <a:rPr lang="de-DE" sz="2800" dirty="0" smtClean="0"/>
+              <a:rPr lang="de-DE" sz="2800" dirty="0"/>
               <a:t> </a:t>
             </a:r>
             <a:r>
-              <a:rPr lang="de-DE" sz="2800" dirty="0" err="1" smtClean="0"/>
+              <a:rPr lang="de-DE" sz="2800" dirty="0" err="1"/>
               <a:t>imported</a:t>
             </a:r>
             <a:r>
-              <a:rPr lang="de-DE" sz="2800" dirty="0" smtClean="0"/>
+              <a:rPr lang="de-DE" sz="2800" dirty="0"/>
               <a:t> </a:t>
             </a:r>
             <a:r>
-              <a:rPr lang="de-DE" sz="2800" dirty="0" err="1" smtClean="0"/>
+              <a:rPr lang="de-DE" sz="2800" dirty="0" err="1"/>
               <a:t>from</a:t>
             </a:r>
             <a:r>
-              <a:rPr lang="de-DE" sz="2800" dirty="0" smtClean="0"/>
+              <a:rPr lang="de-DE" sz="2800" dirty="0"/>
               <a:t> File</a:t>
             </a:r>
           </a:p>
           <a:p>
             <a:r>
-              <a:rPr lang="de-DE" sz="2800" dirty="0" err="1" smtClean="0"/>
+              <a:rPr lang="de-DE" sz="2800" dirty="0" err="1"/>
               <a:t>Manually</a:t>
             </a:r>
             <a:r>
-              <a:rPr lang="de-DE" sz="2800" dirty="0" smtClean="0"/>
+              <a:rPr lang="de-DE" sz="2800" dirty="0"/>
               <a:t> </a:t>
             </a:r>
             <a:r>
-              <a:rPr lang="de-DE" sz="2800" dirty="0" err="1" smtClean="0"/>
+              <a:rPr lang="de-DE" sz="2800" dirty="0" err="1"/>
               <a:t>imported</a:t>
             </a:r>
             <a:r>
-              <a:rPr lang="de-DE" sz="2800" dirty="0" smtClean="0"/>
+              <a:rPr lang="de-DE" sz="2800" dirty="0"/>
               <a:t> </a:t>
             </a:r>
             <a:r>
-              <a:rPr lang="de-DE" sz="2800" dirty="0" err="1" smtClean="0"/>
+              <a:rPr lang="de-DE" sz="2800" dirty="0" err="1"/>
               <a:t>from</a:t>
             </a:r>
             <a:r>
-              <a:rPr lang="de-DE" sz="2800" dirty="0" smtClean="0"/>
+              <a:rPr lang="de-DE" sz="2800" dirty="0"/>
               <a:t> </a:t>
             </a:r>
             <a:r>
-              <a:rPr lang="de-DE" sz="2800" dirty="0" err="1" smtClean="0"/>
+              <a:rPr lang="de-DE" sz="2800" dirty="0" err="1"/>
               <a:t>managed</a:t>
             </a:r>
             <a:r>
-              <a:rPr lang="de-DE" sz="2800" dirty="0" smtClean="0"/>
+              <a:rPr lang="de-DE" sz="2800" dirty="0"/>
               <a:t> </a:t>
             </a:r>
             <a:r>
-              <a:rPr lang="de-DE" sz="2800" dirty="0" err="1" smtClean="0"/>
+              <a:rPr lang="de-DE" sz="2800" dirty="0" err="1"/>
               <a:t>path</a:t>
             </a:r>
-            <a:endParaRPr lang="de-DE" sz="2800" dirty="0" smtClean="0"/>
-          </a:p>
-          <a:p>
-            <a:r>
-              <a:rPr lang="de-DE" sz="2800" dirty="0" err="1" smtClean="0"/>
+            <a:endParaRPr lang="de-DE" sz="2800" dirty="0"/>
+          </a:p>
+          <a:p>
+            <a:r>
+              <a:rPr lang="de-DE" sz="2800" dirty="0" err="1"/>
               <a:t>Manually</a:t>
             </a:r>
             <a:r>
-              <a:rPr lang="de-DE" sz="2800" dirty="0" smtClean="0"/>
+              <a:rPr lang="de-DE" sz="2800" dirty="0"/>
               <a:t> </a:t>
             </a:r>
             <a:r>
-              <a:rPr lang="de-DE" sz="2800" dirty="0" err="1" smtClean="0"/>
+              <a:rPr lang="de-DE" sz="2800" dirty="0" err="1"/>
               <a:t>imported</a:t>
             </a:r>
             <a:r>
-              <a:rPr lang="de-DE" sz="2800" dirty="0" smtClean="0"/>
+              <a:rPr lang="de-DE" sz="2800" dirty="0"/>
               <a:t> </a:t>
             </a:r>
             <a:r>
-              <a:rPr lang="de-DE" sz="2800" dirty="0" err="1" smtClean="0"/>
+              <a:rPr lang="de-DE" sz="2800" dirty="0" err="1"/>
               <a:t>from</a:t>
             </a:r>
             <a:r>
-              <a:rPr lang="de-DE" sz="2800" dirty="0" smtClean="0"/>
+              <a:rPr lang="de-DE" sz="2800" dirty="0"/>
               <a:t> explicit </a:t>
             </a:r>
             <a:r>
-              <a:rPr lang="de-DE" sz="2800" dirty="0" err="1" smtClean="0"/>
+              <a:rPr lang="de-DE" sz="2800" dirty="0" err="1"/>
               <a:t>path</a:t>
             </a:r>
             <a:endParaRPr lang="de-DE" sz="2800" dirty="0"/>
@@ -8244,13 +8235,6 @@
   <p:clrMapOvr>
     <a:masterClrMapping/>
   </p:clrMapOvr>
-  <p:timing>
-    <p:tnLst>
-      <p:par>
-        <p:cTn id="1" dur="indefinite" restart="never" nodeType="tmRoot"/>
-      </p:par>
-    </p:tnLst>
-  </p:timing>
 </p:sld>
 </file>
 
@@ -8287,14 +8271,13 @@
           <a:lstStyle/>
           <a:p>
             <a:r>
-              <a:rPr lang="de-DE" dirty="0" err="1" smtClean="0"/>
+              <a:rPr lang="de-DE" dirty="0" err="1"/>
               <a:t>Configuration</a:t>
             </a:r>
             <a:r>
-              <a:rPr lang="de-DE" dirty="0" smtClean="0"/>
+              <a:rPr lang="de-DE" dirty="0"/>
               <a:t>: Scenarios</a:t>
             </a:r>
-            <a:endParaRPr lang="de-DE" dirty="0"/>
           </a:p>
         </p:txBody>
       </p:sp>
@@ -8316,32 +8299,31 @@
           <a:lstStyle/>
           <a:p>
             <a:r>
-              <a:rPr lang="de-DE" sz="3200" dirty="0" smtClean="0"/>
+              <a:rPr lang="de-DE" sz="3200" dirty="0"/>
               <a:t>CI / CD Scenarios</a:t>
             </a:r>
           </a:p>
           <a:p>
             <a:r>
-              <a:rPr lang="de-DE" sz="3200" dirty="0" smtClean="0"/>
+              <a:rPr lang="de-DE" sz="3200" dirty="0"/>
               <a:t>Module Options</a:t>
             </a:r>
           </a:p>
           <a:p>
             <a:r>
-              <a:rPr lang="de-DE" sz="3200" dirty="0" err="1" smtClean="0"/>
+              <a:rPr lang="de-DE" sz="3200" dirty="0" err="1"/>
               <a:t>Persisting</a:t>
             </a:r>
             <a:r>
-              <a:rPr lang="de-DE" sz="3200" dirty="0" smtClean="0"/>
+              <a:rPr lang="de-DE" sz="3200" dirty="0"/>
               <a:t> Module Cache</a:t>
             </a:r>
           </a:p>
           <a:p>
             <a:r>
-              <a:rPr lang="de-DE" sz="3200" dirty="0" smtClean="0"/>
+              <a:rPr lang="de-DE" sz="3200" dirty="0"/>
               <a:t>Script Management</a:t>
             </a:r>
-            <a:endParaRPr lang="de-DE" sz="3200" dirty="0"/>
           </a:p>
         </p:txBody>
       </p:sp>
@@ -8355,13 +8337,6 @@
   <p:clrMapOvr>
     <a:masterClrMapping/>
   </p:clrMapOvr>
-  <p:timing>
-    <p:tnLst>
-      <p:par>
-        <p:cTn id="1" dur="indefinite" restart="never" nodeType="tmRoot"/>
-      </p:par>
-    </p:tnLst>
-  </p:timing>
 </p:sld>
 </file>
 
@@ -8399,10 +8374,9 @@
           <a:p>
             <a:pPr algn="ctr"/>
             <a:r>
-              <a:rPr lang="de-DE" dirty="0" smtClean="0"/>
+              <a:rPr lang="de-DE" dirty="0"/>
               <a:t>Script Management</a:t>
             </a:r>
-            <a:endParaRPr lang="de-DE" dirty="0"/>
           </a:p>
         </p:txBody>
       </p:sp>
@@ -8425,26 +8399,25 @@
           <a:p>
             <a:pPr algn="ctr"/>
             <a:r>
-              <a:rPr lang="de-DE" sz="1200" i="1" dirty="0" smtClean="0"/>
+              <a:rPr lang="de-DE" sz="1200" i="1" dirty="0"/>
               <a:t>A </a:t>
             </a:r>
             <a:r>
-              <a:rPr lang="de-DE" sz="1200" i="1" dirty="0" err="1" smtClean="0"/>
+              <a:rPr lang="de-DE" sz="1200" i="1" dirty="0" err="1"/>
               <a:t>PSFramework</a:t>
             </a:r>
             <a:r>
-              <a:rPr lang="de-DE" sz="1200" i="1" dirty="0" smtClean="0"/>
+              <a:rPr lang="de-DE" sz="1200" i="1" dirty="0"/>
               <a:t> </a:t>
             </a:r>
             <a:r>
-              <a:rPr lang="de-DE" sz="1200" i="1" dirty="0" err="1" smtClean="0"/>
+              <a:rPr lang="de-DE" sz="1200" i="1" dirty="0" err="1"/>
               <a:t>Configuration</a:t>
             </a:r>
             <a:r>
-              <a:rPr lang="de-DE" sz="1200" i="1" dirty="0" smtClean="0"/>
+              <a:rPr lang="de-DE" sz="1200" i="1" dirty="0"/>
               <a:t> Scenario</a:t>
             </a:r>
-            <a:endParaRPr lang="de-DE" sz="1200" i="1" dirty="0"/>
           </a:p>
         </p:txBody>
       </p:sp>
@@ -8458,13 +8431,6 @@
   <p:clrMapOvr>
     <a:masterClrMapping/>
   </p:clrMapOvr>
-  <p:timing>
-    <p:tnLst>
-      <p:par>
-        <p:cTn id="1" dur="indefinite" restart="never" nodeType="tmRoot"/>
-      </p:par>
-    </p:tnLst>
-  </p:timing>
 </p:sld>
 </file>
 
@@ -8502,10 +8468,9 @@
           <a:p>
             <a:pPr algn="ctr"/>
             <a:r>
-              <a:rPr lang="de-DE" dirty="0" smtClean="0"/>
+              <a:rPr lang="de-DE" dirty="0"/>
               <a:t>Module Options</a:t>
             </a:r>
-            <a:endParaRPr lang="de-DE" dirty="0"/>
           </a:p>
         </p:txBody>
       </p:sp>
@@ -8528,26 +8493,25 @@
           <a:p>
             <a:pPr algn="ctr"/>
             <a:r>
-              <a:rPr lang="de-DE" sz="1200" i="1" dirty="0" smtClean="0"/>
+              <a:rPr lang="de-DE" sz="1200" i="1" dirty="0"/>
               <a:t>A </a:t>
             </a:r>
             <a:r>
-              <a:rPr lang="de-DE" sz="1200" i="1" dirty="0" err="1" smtClean="0"/>
+              <a:rPr lang="de-DE" sz="1200" i="1" dirty="0" err="1"/>
               <a:t>PSFramework</a:t>
             </a:r>
             <a:r>
-              <a:rPr lang="de-DE" sz="1200" i="1" dirty="0" smtClean="0"/>
+              <a:rPr lang="de-DE" sz="1200" i="1" dirty="0"/>
               <a:t> </a:t>
             </a:r>
             <a:r>
-              <a:rPr lang="de-DE" sz="1200" i="1" dirty="0" err="1" smtClean="0"/>
+              <a:rPr lang="de-DE" sz="1200" i="1" dirty="0" err="1"/>
               <a:t>Configuration</a:t>
             </a:r>
             <a:r>
-              <a:rPr lang="de-DE" sz="1200" i="1" dirty="0" smtClean="0"/>
+              <a:rPr lang="de-DE" sz="1200" i="1" dirty="0"/>
               <a:t> Scenario</a:t>
             </a:r>
-            <a:endParaRPr lang="de-DE" sz="1200" i="1" dirty="0"/>
           </a:p>
         </p:txBody>
       </p:sp>
@@ -8561,13 +8525,6 @@
   <p:clrMapOvr>
     <a:masterClrMapping/>
   </p:clrMapOvr>
-  <p:timing>
-    <p:tnLst>
-      <p:par>
-        <p:cTn id="1" dur="indefinite" restart="never" nodeType="tmRoot"/>
-      </p:par>
-    </p:tnLst>
-  </p:timing>
 </p:sld>
 </file>
 
@@ -8605,26 +8562,26 @@
           <a:p>
             <a:pPr algn="ctr"/>
             <a:r>
-              <a:rPr lang="de-DE" dirty="0" err="1" smtClean="0"/>
+              <a:rPr lang="de-DE" dirty="0" err="1"/>
               <a:t>Continuous</a:t>
             </a:r>
             <a:r>
-              <a:rPr lang="de-DE" dirty="0" smtClean="0"/>
+              <a:rPr lang="de-DE" dirty="0"/>
               <a:t> Integration</a:t>
             </a:r>
             <a:br>
-              <a:rPr lang="de-DE" dirty="0" smtClean="0"/>
+              <a:rPr lang="de-DE" dirty="0"/>
             </a:br>
             <a:r>
-              <a:rPr lang="de-DE" dirty="0" err="1" smtClean="0"/>
+              <a:rPr lang="de-DE" dirty="0" err="1"/>
               <a:t>Continuous</a:t>
             </a:r>
             <a:r>
-              <a:rPr lang="de-DE" dirty="0" smtClean="0"/>
+              <a:rPr lang="de-DE" dirty="0"/>
               <a:t> </a:t>
             </a:r>
             <a:r>
-              <a:rPr lang="de-DE" dirty="0" err="1" smtClean="0"/>
+              <a:rPr lang="de-DE" dirty="0" err="1"/>
               <a:t>Deployment</a:t>
             </a:r>
             <a:endParaRPr lang="de-DE" dirty="0"/>
@@ -8650,26 +8607,25 @@
           <a:p>
             <a:pPr algn="ctr"/>
             <a:r>
-              <a:rPr lang="de-DE" sz="1200" i="1" dirty="0" smtClean="0"/>
+              <a:rPr lang="de-DE" sz="1200" i="1" dirty="0"/>
               <a:t>A </a:t>
             </a:r>
             <a:r>
-              <a:rPr lang="de-DE" sz="1200" i="1" dirty="0" err="1" smtClean="0"/>
+              <a:rPr lang="de-DE" sz="1200" i="1" dirty="0" err="1"/>
               <a:t>PSFramework</a:t>
             </a:r>
             <a:r>
-              <a:rPr lang="de-DE" sz="1200" i="1" dirty="0" smtClean="0"/>
+              <a:rPr lang="de-DE" sz="1200" i="1" dirty="0"/>
               <a:t> </a:t>
             </a:r>
             <a:r>
-              <a:rPr lang="de-DE" sz="1200" i="1" dirty="0" err="1" smtClean="0"/>
+              <a:rPr lang="de-DE" sz="1200" i="1" dirty="0" err="1"/>
               <a:t>Configuration</a:t>
             </a:r>
             <a:r>
-              <a:rPr lang="de-DE" sz="1200" i="1" dirty="0" smtClean="0"/>
+              <a:rPr lang="de-DE" sz="1200" i="1" dirty="0"/>
               <a:t> Scenario</a:t>
             </a:r>
-            <a:endParaRPr lang="de-DE" sz="1200" i="1" dirty="0"/>
           </a:p>
         </p:txBody>
       </p:sp>
@@ -8683,13 +8639,6 @@
   <p:clrMapOvr>
     <a:masterClrMapping/>
   </p:clrMapOvr>
-  <p:timing>
-    <p:tnLst>
-      <p:par>
-        <p:cTn id="1" dur="indefinite" restart="never" nodeType="tmRoot"/>
-      </p:par>
-    </p:tnLst>
-  </p:timing>
 </p:sld>
 </file>
 
@@ -8727,14 +8676,13 @@
           <a:p>
             <a:pPr algn="ctr"/>
             <a:r>
-              <a:rPr lang="de-DE" dirty="0" err="1" smtClean="0"/>
+              <a:rPr lang="de-DE" dirty="0" err="1"/>
               <a:t>Persisting</a:t>
             </a:r>
             <a:r>
-              <a:rPr lang="de-DE" dirty="0" smtClean="0"/>
+              <a:rPr lang="de-DE" dirty="0"/>
               <a:t> Module Cache</a:t>
             </a:r>
-            <a:endParaRPr lang="de-DE" dirty="0"/>
           </a:p>
         </p:txBody>
       </p:sp>
@@ -8757,26 +8705,25 @@
           <a:p>
             <a:pPr algn="ctr"/>
             <a:r>
-              <a:rPr lang="de-DE" sz="1200" i="1" dirty="0" smtClean="0"/>
+              <a:rPr lang="de-DE" sz="1200" i="1" dirty="0"/>
               <a:t>A </a:t>
             </a:r>
             <a:r>
-              <a:rPr lang="de-DE" sz="1200" i="1" dirty="0" err="1" smtClean="0"/>
+              <a:rPr lang="de-DE" sz="1200" i="1" dirty="0" err="1"/>
               <a:t>PSFramework</a:t>
             </a:r>
             <a:r>
-              <a:rPr lang="de-DE" sz="1200" i="1" dirty="0" smtClean="0"/>
+              <a:rPr lang="de-DE" sz="1200" i="1" dirty="0"/>
               <a:t> </a:t>
             </a:r>
             <a:r>
-              <a:rPr lang="de-DE" sz="1200" i="1" dirty="0" err="1" smtClean="0"/>
+              <a:rPr lang="de-DE" sz="1200" i="1" dirty="0" err="1"/>
               <a:t>Configuration</a:t>
             </a:r>
             <a:r>
-              <a:rPr lang="de-DE" sz="1200" i="1" dirty="0" smtClean="0"/>
+              <a:rPr lang="de-DE" sz="1200" i="1" dirty="0"/>
               <a:t> Scenario</a:t>
             </a:r>
-            <a:endParaRPr lang="de-DE" sz="1200" i="1" dirty="0"/>
           </a:p>
         </p:txBody>
       </p:sp>
@@ -8790,13 +8737,6 @@
   <p:clrMapOvr>
     <a:masterClrMapping/>
   </p:clrMapOvr>
-  <p:timing>
-    <p:tnLst>
-      <p:par>
-        <p:cTn id="1" dur="indefinite" restart="never" nodeType="tmRoot"/>
-      </p:par>
-    </p:tnLst>
-  </p:timing>
 </p:sld>
 </file>
 
@@ -8833,10 +8773,9 @@
           <a:lstStyle/>
           <a:p>
             <a:r>
-              <a:rPr lang="de-DE" dirty="0" smtClean="0"/>
+              <a:rPr lang="de-DE" dirty="0"/>
               <a:t>The Scenario</a:t>
             </a:r>
-            <a:endParaRPr lang="de-DE" dirty="0"/>
           </a:p>
         </p:txBody>
       </p:sp>
@@ -8856,10 +8795,9 @@
           <a:lstStyle/>
           <a:p>
             <a:r>
-              <a:rPr lang="de-DE" dirty="0" smtClean="0"/>
+              <a:rPr lang="de-DE" dirty="0"/>
               <a:t>Chapter 1</a:t>
             </a:r>
-            <a:endParaRPr lang="de-DE" dirty="0"/>
           </a:p>
         </p:txBody>
       </p:sp>
@@ -8873,13 +8811,6 @@
   <p:clrMapOvr>
     <a:masterClrMapping/>
   </p:clrMapOvr>
-  <p:timing>
-    <p:tnLst>
-      <p:par>
-        <p:cTn id="1" dur="indefinite" restart="never" nodeType="tmRoot"/>
-      </p:par>
-    </p:tnLst>
-  </p:timing>
 </p:sld>
 </file>
 
@@ -8916,11 +8847,11 @@
           <a:lstStyle/>
           <a:p>
             <a:r>
-              <a:rPr lang="de-DE" dirty="0" smtClean="0"/>
+              <a:rPr lang="de-DE" dirty="0"/>
               <a:t>Dilemma: Meta-Level </a:t>
             </a:r>
             <a:r>
-              <a:rPr lang="de-DE" dirty="0" err="1" smtClean="0"/>
+              <a:rPr lang="de-DE" dirty="0" err="1"/>
               <a:t>Poisoning</a:t>
             </a:r>
             <a:endParaRPr lang="de-DE" dirty="0"/>
@@ -8945,133 +8876,133 @@
           <a:lstStyle/>
           <a:p>
             <a:r>
-              <a:rPr lang="de-DE" sz="2800" dirty="0" err="1" smtClean="0"/>
+              <a:rPr lang="de-DE" sz="2800" dirty="0" err="1"/>
               <a:t>Function</a:t>
             </a:r>
             <a:r>
-              <a:rPr lang="de-DE" sz="2800" dirty="0" smtClean="0"/>
+              <a:rPr lang="de-DE" sz="2800" dirty="0"/>
               <a:t> A </a:t>
             </a:r>
             <a:r>
-              <a:rPr lang="de-DE" sz="2800" dirty="0" err="1" smtClean="0"/>
+              <a:rPr lang="de-DE" sz="2800" dirty="0" err="1"/>
               <a:t>calls</a:t>
             </a:r>
             <a:r>
-              <a:rPr lang="de-DE" sz="2800" dirty="0" smtClean="0"/>
+              <a:rPr lang="de-DE" sz="2800" dirty="0"/>
               <a:t> </a:t>
             </a:r>
             <a:r>
-              <a:rPr lang="de-DE" sz="2800" dirty="0" err="1" smtClean="0"/>
+              <a:rPr lang="de-DE" sz="2800" dirty="0" err="1"/>
               <a:t>Function</a:t>
             </a:r>
             <a:r>
-              <a:rPr lang="de-DE" sz="2800" dirty="0" smtClean="0"/>
+              <a:rPr lang="de-DE" sz="2800" dirty="0"/>
               <a:t> B, </a:t>
             </a:r>
             <a:r>
-              <a:rPr lang="de-DE" sz="2800" dirty="0" err="1" smtClean="0"/>
+              <a:rPr lang="de-DE" sz="2800" dirty="0" err="1"/>
               <a:t>Function</a:t>
             </a:r>
             <a:r>
-              <a:rPr lang="de-DE" sz="2800" dirty="0" smtClean="0"/>
+              <a:rPr lang="de-DE" sz="2800" dirty="0"/>
               <a:t> B </a:t>
             </a:r>
             <a:r>
-              <a:rPr lang="de-DE" sz="2800" dirty="0" err="1" smtClean="0"/>
+              <a:rPr lang="de-DE" sz="2800" dirty="0" err="1"/>
               <a:t>calls</a:t>
             </a:r>
             <a:r>
-              <a:rPr lang="de-DE" sz="2800" dirty="0" smtClean="0"/>
+              <a:rPr lang="de-DE" sz="2800" dirty="0"/>
               <a:t> </a:t>
             </a:r>
             <a:r>
-              <a:rPr lang="de-DE" sz="2800" dirty="0" err="1" smtClean="0"/>
+              <a:rPr lang="de-DE" sz="2800" dirty="0" err="1"/>
               <a:t>Function</a:t>
             </a:r>
             <a:r>
-              <a:rPr lang="de-DE" sz="2800" dirty="0" smtClean="0"/>
+              <a:rPr lang="de-DE" sz="2800" dirty="0"/>
               <a:t> C, </a:t>
             </a:r>
             <a:r>
-              <a:rPr lang="de-DE" sz="2800" dirty="0" err="1" smtClean="0"/>
+              <a:rPr lang="de-DE" sz="2800" dirty="0" err="1"/>
               <a:t>Function</a:t>
             </a:r>
             <a:r>
-              <a:rPr lang="de-DE" sz="2800" dirty="0" smtClean="0"/>
+              <a:rPr lang="de-DE" sz="2800" dirty="0"/>
               <a:t> C </a:t>
             </a:r>
             <a:r>
-              <a:rPr lang="de-DE" sz="2800" dirty="0" err="1" smtClean="0"/>
+              <a:rPr lang="de-DE" sz="2800" dirty="0" err="1"/>
               <a:t>calls</a:t>
             </a:r>
             <a:r>
-              <a:rPr lang="de-DE" sz="2800" dirty="0" smtClean="0"/>
+              <a:rPr lang="de-DE" sz="2800" dirty="0"/>
               <a:t> </a:t>
             </a:r>
             <a:r>
-              <a:rPr lang="de-DE" sz="2800" dirty="0" err="1" smtClean="0"/>
+              <a:rPr lang="de-DE" sz="2800" dirty="0" err="1"/>
               <a:t>Function</a:t>
             </a:r>
             <a:r>
-              <a:rPr lang="de-DE" sz="2800" dirty="0" smtClean="0"/>
+              <a:rPr lang="de-DE" sz="2800" dirty="0"/>
               <a:t> D, …</a:t>
             </a:r>
           </a:p>
           <a:p>
             <a:r>
-              <a:rPr lang="de-DE" sz="2800" dirty="0" err="1" smtClean="0"/>
+              <a:rPr lang="de-DE" sz="2800" dirty="0" err="1"/>
               <a:t>How</a:t>
             </a:r>
             <a:r>
-              <a:rPr lang="de-DE" sz="2800" dirty="0" smtClean="0"/>
+              <a:rPr lang="de-DE" sz="2800" dirty="0"/>
               <a:t> </a:t>
             </a:r>
             <a:r>
-              <a:rPr lang="de-DE" sz="2800" dirty="0" err="1" smtClean="0"/>
+              <a:rPr lang="de-DE" sz="2800" dirty="0" err="1"/>
               <a:t>many</a:t>
             </a:r>
             <a:r>
-              <a:rPr lang="de-DE" sz="2800" dirty="0" smtClean="0"/>
+              <a:rPr lang="de-DE" sz="2800" dirty="0"/>
               <a:t> </a:t>
             </a:r>
             <a:r>
-              <a:rPr lang="de-DE" sz="2800" dirty="0" err="1" smtClean="0"/>
+              <a:rPr lang="de-DE" sz="2800" dirty="0" err="1"/>
               <a:t>parameters</a:t>
             </a:r>
             <a:r>
-              <a:rPr lang="de-DE" sz="2800" dirty="0" smtClean="0"/>
+              <a:rPr lang="de-DE" sz="2800" dirty="0"/>
               <a:t> </a:t>
             </a:r>
             <a:r>
-              <a:rPr lang="de-DE" sz="2800" dirty="0" err="1" smtClean="0"/>
+              <a:rPr lang="de-DE" sz="2800" dirty="0" err="1"/>
               <a:t>can</a:t>
             </a:r>
             <a:r>
-              <a:rPr lang="de-DE" sz="2800" dirty="0" smtClean="0"/>
+              <a:rPr lang="de-DE" sz="2800" dirty="0"/>
               <a:t> </a:t>
             </a:r>
             <a:r>
-              <a:rPr lang="de-DE" sz="2800" dirty="0" err="1" smtClean="0"/>
+              <a:rPr lang="de-DE" sz="2800" dirty="0" err="1"/>
               <a:t>you</a:t>
             </a:r>
             <a:r>
-              <a:rPr lang="de-DE" sz="2800" dirty="0" smtClean="0"/>
+              <a:rPr lang="de-DE" sz="2800" dirty="0"/>
               <a:t> </a:t>
             </a:r>
             <a:r>
-              <a:rPr lang="de-DE" sz="2800" dirty="0" err="1" smtClean="0"/>
+              <a:rPr lang="de-DE" sz="2800" dirty="0" err="1"/>
               <a:t>reasonably</a:t>
             </a:r>
             <a:r>
-              <a:rPr lang="de-DE" sz="2800" dirty="0" smtClean="0"/>
+              <a:rPr lang="de-DE" sz="2800" dirty="0"/>
               <a:t> pass </a:t>
             </a:r>
             <a:r>
-              <a:rPr lang="de-DE" sz="2800" dirty="0" err="1" smtClean="0"/>
+              <a:rPr lang="de-DE" sz="2800" dirty="0" err="1"/>
               <a:t>through</a:t>
             </a:r>
             <a:r>
-              <a:rPr lang="de-DE" sz="2800" dirty="0" smtClean="0"/>
+              <a:rPr lang="de-DE" sz="2800" dirty="0"/>
               <a:t>?</a:t>
             </a:r>
           </a:p>
@@ -9080,118 +9011,117 @@
           </a:p>
           <a:p>
             <a:r>
-              <a:rPr lang="de-DE" dirty="0" err="1" smtClean="0"/>
+              <a:rPr lang="de-DE" dirty="0" err="1"/>
               <a:t>Get-FunctionA</a:t>
             </a:r>
             <a:r>
-              <a:rPr lang="de-DE" dirty="0" smtClean="0"/>
+              <a:rPr lang="de-DE" dirty="0"/>
               <a:t> –Foo 42 –Bar 23 –</a:t>
             </a:r>
             <a:r>
-              <a:rPr lang="de-DE" dirty="0" err="1" smtClean="0"/>
+              <a:rPr lang="de-DE" dirty="0" err="1"/>
               <a:t>SubFoo</a:t>
             </a:r>
             <a:r>
-              <a:rPr lang="de-DE" dirty="0" smtClean="0"/>
+              <a:rPr lang="de-DE" dirty="0"/>
               <a:t> </a:t>
             </a:r>
             <a:r>
-              <a:rPr lang="de-DE" dirty="0" err="1" smtClean="0"/>
+              <a:rPr lang="de-DE" dirty="0" err="1"/>
               <a:t>foo</a:t>
             </a:r>
             <a:r>
-              <a:rPr lang="de-DE" dirty="0" smtClean="0"/>
+              <a:rPr lang="de-DE" dirty="0"/>
               <a:t> –</a:t>
             </a:r>
             <a:r>
-              <a:rPr lang="de-DE" dirty="0" err="1" smtClean="0"/>
+              <a:rPr lang="de-DE" dirty="0" err="1"/>
               <a:t>SubBar</a:t>
             </a:r>
             <a:r>
-              <a:rPr lang="de-DE" dirty="0" smtClean="0"/>
+              <a:rPr lang="de-DE" dirty="0"/>
               <a:t> bar –</a:t>
             </a:r>
             <a:r>
-              <a:rPr lang="de-DE" dirty="0" err="1" smtClean="0"/>
+              <a:rPr lang="de-DE" dirty="0" err="1"/>
               <a:t>SubSubFoo</a:t>
             </a:r>
             <a:r>
-              <a:rPr lang="de-DE" dirty="0" smtClean="0"/>
+              <a:rPr lang="de-DE" dirty="0"/>
               <a:t> –</a:t>
             </a:r>
             <a:r>
-              <a:rPr lang="de-DE" dirty="0" err="1" smtClean="0"/>
+              <a:rPr lang="de-DE" dirty="0" err="1"/>
               <a:t>SubSubBar</a:t>
             </a:r>
             <a:r>
-              <a:rPr lang="de-DE" dirty="0" smtClean="0"/>
+              <a:rPr lang="de-DE" dirty="0"/>
               <a:t> –</a:t>
             </a:r>
             <a:r>
-              <a:rPr lang="de-DE" dirty="0" err="1" smtClean="0"/>
+              <a:rPr lang="de-DE" dirty="0" err="1"/>
               <a:t>SubSubRe</a:t>
             </a:r>
             <a:r>
-              <a:rPr lang="de-DE" dirty="0" smtClean="0"/>
+              <a:rPr lang="de-DE" dirty="0"/>
               <a:t> –</a:t>
             </a:r>
             <a:r>
-              <a:rPr lang="de-DE" dirty="0" err="1" smtClean="0"/>
+              <a:rPr lang="de-DE" dirty="0" err="1"/>
               <a:t>SubSubRo</a:t>
             </a:r>
             <a:r>
-              <a:rPr lang="de-DE" dirty="0" smtClean="0"/>
+              <a:rPr lang="de-DE" dirty="0"/>
               <a:t> –</a:t>
             </a:r>
             <a:r>
-              <a:rPr lang="de-DE" dirty="0" err="1" smtClean="0"/>
+              <a:rPr lang="de-DE" dirty="0" err="1"/>
               <a:t>SubSubSubFoo</a:t>
             </a:r>
             <a:r>
-              <a:rPr lang="de-DE" dirty="0" smtClean="0"/>
+              <a:rPr lang="de-DE" dirty="0"/>
               <a:t> –</a:t>
             </a:r>
             <a:r>
-              <a:rPr lang="de-DE" dirty="0" err="1" smtClean="0"/>
+              <a:rPr lang="de-DE" dirty="0" err="1"/>
               <a:t>SubSubSubBar</a:t>
             </a:r>
             <a:r>
-              <a:rPr lang="de-DE" dirty="0" smtClean="0"/>
+              <a:rPr lang="de-DE" dirty="0"/>
               <a:t> –</a:t>
             </a:r>
             <a:r>
-              <a:rPr lang="de-DE" dirty="0" err="1" smtClean="0"/>
+              <a:rPr lang="de-DE" dirty="0" err="1"/>
               <a:t>SubSubSubRe</a:t>
             </a:r>
             <a:r>
-              <a:rPr lang="de-DE" dirty="0" smtClean="0"/>
+              <a:rPr lang="de-DE" dirty="0"/>
               <a:t> –</a:t>
             </a:r>
             <a:r>
-              <a:rPr lang="de-DE" dirty="0" err="1" smtClean="0"/>
+              <a:rPr lang="de-DE" dirty="0" err="1"/>
               <a:t>SubSubSubRo</a:t>
             </a:r>
             <a:r>
-              <a:rPr lang="de-DE" dirty="0" smtClean="0"/>
+              <a:rPr lang="de-DE" dirty="0"/>
               <a:t> –</a:t>
             </a:r>
             <a:r>
-              <a:rPr lang="de-DE" dirty="0" err="1" smtClean="0"/>
+              <a:rPr lang="de-DE" dirty="0" err="1"/>
               <a:t>SubSubSubRi</a:t>
             </a:r>
             <a:r>
-              <a:rPr lang="de-DE" dirty="0" smtClean="0"/>
+              <a:rPr lang="de-DE" dirty="0"/>
               <a:t> –</a:t>
             </a:r>
             <a:r>
-              <a:rPr lang="de-DE" dirty="0" err="1" smtClean="0"/>
+              <a:rPr lang="de-DE" dirty="0" err="1"/>
               <a:t>SubSubSubRa</a:t>
             </a:r>
             <a:r>
-              <a:rPr lang="de-DE" dirty="0" smtClean="0"/>
+              <a:rPr lang="de-DE" dirty="0"/>
               <a:t> …</a:t>
             </a:r>
-            <a:endParaRPr lang="de-DE" dirty="0"/>
           </a:p>
         </p:txBody>
       </p:sp>
@@ -9205,13 +9135,6 @@
   <p:clrMapOvr>
     <a:masterClrMapping/>
   </p:clrMapOvr>
-  <p:timing>
-    <p:tnLst>
-      <p:par>
-        <p:cTn id="1" dur="indefinite" restart="never" nodeType="tmRoot"/>
-      </p:par>
-    </p:tnLst>
-  </p:timing>
 </p:sld>
 </file>
 
@@ -9248,10 +9171,9 @@
           <a:lstStyle/>
           <a:p>
             <a:r>
-              <a:rPr lang="de-DE" dirty="0" smtClean="0"/>
+              <a:rPr lang="de-DE" dirty="0"/>
               <a:t>Dilemma: CI/CD</a:t>
             </a:r>
-            <a:endParaRPr lang="de-DE" dirty="0"/>
           </a:p>
         </p:txBody>
       </p:sp>
@@ -9273,185 +9195,185 @@
           <a:lstStyle/>
           <a:p>
             <a:r>
-              <a:rPr lang="de-DE" sz="3200" dirty="0" smtClean="0"/>
+              <a:rPr lang="de-DE" sz="3200" dirty="0"/>
               <a:t>Long </a:t>
             </a:r>
             <a:r>
-              <a:rPr lang="de-DE" sz="3200" dirty="0" err="1" smtClean="0"/>
+              <a:rPr lang="de-DE" sz="3200" dirty="0" err="1"/>
               <a:t>scripts</a:t>
             </a:r>
             <a:r>
-              <a:rPr lang="de-DE" sz="3200" dirty="0" smtClean="0"/>
+              <a:rPr lang="de-DE" sz="3200" dirty="0"/>
               <a:t> </a:t>
             </a:r>
             <a:r>
-              <a:rPr lang="de-DE" sz="3200" dirty="0" err="1" smtClean="0"/>
+              <a:rPr lang="de-DE" sz="3200" dirty="0" err="1"/>
               <a:t>with</a:t>
             </a:r>
             <a:r>
-              <a:rPr lang="de-DE" sz="3200" dirty="0" smtClean="0"/>
+              <a:rPr lang="de-DE" sz="3200" dirty="0"/>
               <a:t> </a:t>
             </a:r>
             <a:r>
-              <a:rPr lang="de-DE" sz="3200" dirty="0" err="1" smtClean="0"/>
+              <a:rPr lang="de-DE" sz="3200" dirty="0" err="1"/>
               <a:t>many</a:t>
             </a:r>
             <a:r>
-              <a:rPr lang="de-DE" sz="3200" dirty="0" smtClean="0"/>
+              <a:rPr lang="de-DE" sz="3200" dirty="0"/>
               <a:t> </a:t>
             </a:r>
             <a:r>
-              <a:rPr lang="de-DE" sz="3200" dirty="0" err="1" smtClean="0"/>
+              <a:rPr lang="de-DE" sz="3200" dirty="0" err="1"/>
               <a:t>possible</a:t>
             </a:r>
             <a:r>
-              <a:rPr lang="de-DE" sz="3200" dirty="0" smtClean="0"/>
+              <a:rPr lang="de-DE" sz="3200" dirty="0"/>
               <a:t> </a:t>
             </a:r>
             <a:r>
-              <a:rPr lang="de-DE" sz="3200" dirty="0" err="1" smtClean="0"/>
+              <a:rPr lang="de-DE" sz="3200" dirty="0" err="1"/>
               <a:t>ways</a:t>
             </a:r>
             <a:r>
-              <a:rPr lang="de-DE" sz="3200" dirty="0" smtClean="0"/>
+              <a:rPr lang="de-DE" sz="3200" dirty="0"/>
               <a:t> </a:t>
             </a:r>
             <a:r>
-              <a:rPr lang="de-DE" sz="3200" dirty="0" err="1" smtClean="0"/>
+              <a:rPr lang="de-DE" sz="3200" dirty="0" err="1"/>
               <a:t>to</a:t>
             </a:r>
             <a:r>
-              <a:rPr lang="de-DE" sz="3200" dirty="0" smtClean="0"/>
+              <a:rPr lang="de-DE" sz="3200" dirty="0"/>
               <a:t> </a:t>
             </a:r>
             <a:r>
-              <a:rPr lang="de-DE" sz="3200" dirty="0" err="1" smtClean="0"/>
+              <a:rPr lang="de-DE" sz="3200" dirty="0" err="1"/>
               <a:t>execute</a:t>
             </a:r>
             <a:r>
-              <a:rPr lang="de-DE" sz="3200" dirty="0" smtClean="0"/>
+              <a:rPr lang="de-DE" sz="3200" dirty="0"/>
               <a:t> </a:t>
             </a:r>
             <a:r>
-              <a:rPr lang="de-DE" sz="3200" dirty="0" err="1" smtClean="0"/>
+              <a:rPr lang="de-DE" sz="3200" dirty="0" err="1"/>
               <a:t>them</a:t>
             </a:r>
-            <a:endParaRPr lang="de-DE" sz="3200" dirty="0" smtClean="0"/>
-          </a:p>
-          <a:p>
-            <a:r>
-              <a:rPr lang="de-DE" sz="3200" dirty="0" smtClean="0"/>
+            <a:endParaRPr lang="de-DE" sz="3200" dirty="0"/>
+          </a:p>
+          <a:p>
+            <a:r>
+              <a:rPr lang="de-DE" sz="3200" dirty="0"/>
               <a:t>Different </a:t>
             </a:r>
             <a:r>
-              <a:rPr lang="de-DE" sz="3200" dirty="0" err="1" smtClean="0"/>
+              <a:rPr lang="de-DE" sz="3200" dirty="0" err="1"/>
               <a:t>environments</a:t>
             </a:r>
             <a:r>
-              <a:rPr lang="de-DE" sz="3200" dirty="0" smtClean="0"/>
+              <a:rPr lang="de-DE" sz="3200" dirty="0"/>
               <a:t> </a:t>
             </a:r>
             <a:r>
-              <a:rPr lang="de-DE" sz="3200" dirty="0" err="1" smtClean="0"/>
+              <a:rPr lang="de-DE" sz="3200" dirty="0" err="1"/>
               <a:t>may</a:t>
             </a:r>
             <a:r>
-              <a:rPr lang="de-DE" sz="3200" dirty="0" smtClean="0"/>
+              <a:rPr lang="de-DE" sz="3200" dirty="0"/>
               <a:t> </a:t>
             </a:r>
             <a:r>
-              <a:rPr lang="de-DE" sz="3200" dirty="0" err="1" smtClean="0"/>
+              <a:rPr lang="de-DE" sz="3200" dirty="0" err="1"/>
               <a:t>require</a:t>
             </a:r>
             <a:r>
-              <a:rPr lang="de-DE" sz="3200" dirty="0" smtClean="0"/>
+              <a:rPr lang="de-DE" sz="3200" dirty="0"/>
               <a:t> </a:t>
             </a:r>
             <a:r>
-              <a:rPr lang="de-DE" sz="3200" dirty="0" err="1" smtClean="0"/>
+              <a:rPr lang="de-DE" sz="3200" dirty="0" err="1"/>
               <a:t>massively</a:t>
             </a:r>
             <a:r>
-              <a:rPr lang="de-DE" sz="3200" dirty="0" smtClean="0"/>
+              <a:rPr lang="de-DE" sz="3200" dirty="0"/>
               <a:t> different </a:t>
             </a:r>
             <a:r>
-              <a:rPr lang="de-DE" sz="3200" dirty="0" err="1" smtClean="0"/>
+              <a:rPr lang="de-DE" sz="3200" dirty="0" err="1"/>
               <a:t>settings</a:t>
             </a:r>
-            <a:endParaRPr lang="de-DE" sz="3200" dirty="0" smtClean="0"/>
-          </a:p>
-          <a:p>
-            <a:r>
-              <a:rPr lang="de-DE" sz="3200" dirty="0" smtClean="0"/>
+            <a:endParaRPr lang="de-DE" sz="3200" dirty="0"/>
+          </a:p>
+          <a:p>
+            <a:r>
+              <a:rPr lang="de-DE" sz="3200" dirty="0"/>
               <a:t>All </a:t>
             </a:r>
             <a:r>
-              <a:rPr lang="de-DE" sz="3200" dirty="0" err="1" smtClean="0"/>
+              <a:rPr lang="de-DE" sz="3200" dirty="0" err="1"/>
               <a:t>ways</a:t>
             </a:r>
             <a:r>
-              <a:rPr lang="de-DE" sz="3200" dirty="0" smtClean="0"/>
+              <a:rPr lang="de-DE" sz="3200" dirty="0"/>
               <a:t> </a:t>
             </a:r>
             <a:r>
-              <a:rPr lang="de-DE" sz="3200" dirty="0" err="1" smtClean="0"/>
+              <a:rPr lang="de-DE" sz="3200" dirty="0" err="1"/>
               <a:t>of</a:t>
             </a:r>
             <a:r>
-              <a:rPr lang="de-DE" sz="3200" dirty="0" smtClean="0"/>
+              <a:rPr lang="de-DE" sz="3200" dirty="0"/>
               <a:t> </a:t>
             </a:r>
             <a:r>
-              <a:rPr lang="de-DE" sz="3200" dirty="0" err="1" smtClean="0"/>
+              <a:rPr lang="de-DE" sz="3200" dirty="0" err="1"/>
               <a:t>calling</a:t>
             </a:r>
             <a:r>
-              <a:rPr lang="de-DE" sz="3200" dirty="0" smtClean="0"/>
+              <a:rPr lang="de-DE" sz="3200" dirty="0"/>
               <a:t> </a:t>
             </a:r>
             <a:r>
-              <a:rPr lang="de-DE" sz="3200" dirty="0" err="1" smtClean="0"/>
+              <a:rPr lang="de-DE" sz="3200" dirty="0" err="1"/>
               <a:t>should</a:t>
             </a:r>
             <a:r>
-              <a:rPr lang="de-DE" sz="3200" dirty="0" smtClean="0"/>
+              <a:rPr lang="de-DE" sz="3200" dirty="0"/>
               <a:t> </a:t>
             </a:r>
             <a:r>
-              <a:rPr lang="de-DE" sz="3200" dirty="0" err="1" smtClean="0"/>
+              <a:rPr lang="de-DE" sz="3200" dirty="0" err="1"/>
               <a:t>be</a:t>
             </a:r>
             <a:r>
-              <a:rPr lang="de-DE" sz="3200" dirty="0" smtClean="0"/>
+              <a:rPr lang="de-DE" sz="3200" dirty="0"/>
               <a:t> </a:t>
             </a:r>
             <a:r>
-              <a:rPr lang="de-DE" sz="3200" dirty="0" err="1" smtClean="0"/>
+              <a:rPr lang="de-DE" sz="3200" dirty="0" err="1"/>
               <a:t>part</a:t>
             </a:r>
             <a:r>
-              <a:rPr lang="de-DE" sz="3200" dirty="0" smtClean="0"/>
+              <a:rPr lang="de-DE" sz="3200" dirty="0"/>
               <a:t> </a:t>
             </a:r>
             <a:r>
-              <a:rPr lang="de-DE" sz="3200" dirty="0" err="1" smtClean="0"/>
+              <a:rPr lang="de-DE" sz="3200" dirty="0" err="1"/>
               <a:t>of</a:t>
             </a:r>
             <a:r>
-              <a:rPr lang="de-DE" sz="3200" dirty="0" smtClean="0"/>
+              <a:rPr lang="de-DE" sz="3200" dirty="0"/>
               <a:t> </a:t>
             </a:r>
             <a:r>
-              <a:rPr lang="de-DE" sz="3200" dirty="0" err="1" smtClean="0"/>
+              <a:rPr lang="de-DE" sz="3200" dirty="0" err="1"/>
               <a:t>source</a:t>
             </a:r>
             <a:r>
-              <a:rPr lang="de-DE" sz="3200" dirty="0" smtClean="0"/>
+              <a:rPr lang="de-DE" sz="3200" dirty="0"/>
               <a:t> </a:t>
             </a:r>
             <a:r>
-              <a:rPr lang="de-DE" sz="3200" dirty="0" err="1" smtClean="0"/>
+              <a:rPr lang="de-DE" sz="3200" dirty="0" err="1"/>
               <a:t>control</a:t>
             </a:r>
             <a:endParaRPr lang="de-DE" sz="3200" dirty="0"/>
@@ -9468,13 +9390,6 @@
   <p:clrMapOvr>
     <a:masterClrMapping/>
   </p:clrMapOvr>
-  <p:timing>
-    <p:tnLst>
-      <p:par>
-        <p:cTn id="1" dur="indefinite" restart="never" nodeType="tmRoot"/>
-      </p:par>
-    </p:tnLst>
-  </p:timing>
 </p:sld>
 </file>
 
@@ -9511,11 +9426,11 @@
           <a:lstStyle/>
           <a:p>
             <a:r>
-              <a:rPr lang="de-DE" dirty="0" smtClean="0"/>
+              <a:rPr lang="de-DE" dirty="0"/>
               <a:t>Dilemma: The </a:t>
             </a:r>
             <a:r>
-              <a:rPr lang="de-DE" dirty="0" err="1" smtClean="0"/>
+              <a:rPr lang="de-DE" dirty="0" err="1"/>
               <a:t>unparameterizable</a:t>
             </a:r>
             <a:endParaRPr lang="de-DE" dirty="0"/>
@@ -9543,117 +9458,116 @@
           <a:lstStyle/>
           <a:p>
             <a:r>
-              <a:rPr lang="de-DE" sz="3200" dirty="0" smtClean="0"/>
+              <a:rPr lang="de-DE" sz="3200" dirty="0"/>
               <a:t>Code </a:t>
             </a:r>
             <a:r>
-              <a:rPr lang="de-DE" sz="3200" dirty="0" err="1" smtClean="0"/>
+              <a:rPr lang="de-DE" sz="3200" dirty="0" err="1"/>
               <a:t>that</a:t>
             </a:r>
             <a:r>
-              <a:rPr lang="de-DE" sz="3200" dirty="0" smtClean="0"/>
+              <a:rPr lang="de-DE" sz="3200" dirty="0"/>
+              <a:t> i</a:t>
+            </a:r>
+            <a:r>
+              <a:rPr lang="de-DE" sz="3200"/>
+              <a:t>s</a:t>
+            </a:r>
+            <a:r>
+              <a:rPr lang="de-DE" sz="3200" dirty="0"/>
               <a:t> </a:t>
             </a:r>
             <a:r>
-              <a:rPr lang="de-DE" sz="3200" dirty="0" err="1" smtClean="0"/>
-              <a:t>us</a:t>
-            </a:r>
-            <a:r>
-              <a:rPr lang="de-DE" sz="3200" dirty="0" smtClean="0"/>
+              <a:rPr lang="de-DE" sz="3200" dirty="0" err="1"/>
+              <a:t>executed</a:t>
+            </a:r>
+            <a:r>
+              <a:rPr lang="de-DE" sz="3200" dirty="0"/>
+              <a:t> but </a:t>
+            </a:r>
+            <a:r>
+              <a:rPr lang="de-DE" sz="3200" dirty="0" err="1"/>
+              <a:t>is</a:t>
+            </a:r>
+            <a:r>
+              <a:rPr lang="de-DE" sz="3200" dirty="0"/>
+              <a:t> not a </a:t>
+            </a:r>
+            <a:r>
+              <a:rPr lang="de-DE" sz="3200" dirty="0" err="1"/>
+              <a:t>command</a:t>
+            </a:r>
+            <a:endParaRPr lang="de-DE" sz="3200" dirty="0"/>
+          </a:p>
+          <a:p>
+            <a:pPr lvl="1"/>
+            <a:r>
+              <a:rPr lang="de-DE" sz="2400" dirty="0" err="1"/>
+              <a:t>Readline</a:t>
+            </a:r>
+            <a:r>
+              <a:rPr lang="de-DE" sz="2400" dirty="0"/>
               <a:t> </a:t>
             </a:r>
             <a:r>
-              <a:rPr lang="de-DE" sz="3200" dirty="0" err="1" smtClean="0"/>
-              <a:t>executed</a:t>
-            </a:r>
-            <a:r>
-              <a:rPr lang="de-DE" sz="3200" dirty="0" smtClean="0"/>
-              <a:t> but </a:t>
-            </a:r>
-            <a:r>
-              <a:rPr lang="de-DE" sz="3200" dirty="0" err="1" smtClean="0"/>
-              <a:t>is</a:t>
-            </a:r>
-            <a:r>
-              <a:rPr lang="de-DE" sz="3200" dirty="0" smtClean="0"/>
-              <a:t> not a </a:t>
-            </a:r>
-            <a:r>
-              <a:rPr lang="de-DE" sz="3200" dirty="0" err="1" smtClean="0"/>
-              <a:t>command</a:t>
-            </a:r>
-            <a:endParaRPr lang="de-DE" sz="3200" dirty="0" smtClean="0"/>
+              <a:rPr lang="de-DE" sz="2400" dirty="0" err="1"/>
+              <a:t>events</a:t>
+            </a:r>
+            <a:endParaRPr lang="de-DE" sz="2400" dirty="0"/>
           </a:p>
           <a:p>
             <a:pPr lvl="1"/>
             <a:r>
-              <a:rPr lang="de-DE" sz="2400" dirty="0" err="1" smtClean="0"/>
-              <a:t>Readline</a:t>
-            </a:r>
-            <a:r>
-              <a:rPr lang="de-DE" sz="2400" dirty="0" smtClean="0"/>
-              <a:t> </a:t>
-            </a:r>
-            <a:r>
-              <a:rPr lang="de-DE" sz="2400" dirty="0" err="1" smtClean="0"/>
-              <a:t>events</a:t>
-            </a:r>
-            <a:endParaRPr lang="de-DE" sz="2400" dirty="0" smtClean="0"/>
+              <a:rPr lang="de-DE" sz="2400" dirty="0" err="1"/>
+              <a:t>Keybindings</a:t>
+            </a:r>
+            <a:endParaRPr lang="de-DE" sz="2400" dirty="0"/>
           </a:p>
           <a:p>
             <a:pPr lvl="1"/>
             <a:r>
-              <a:rPr lang="de-DE" sz="2400" dirty="0" err="1" smtClean="0"/>
-              <a:t>Keybindings</a:t>
-            </a:r>
-            <a:endParaRPr lang="de-DE" sz="2400" dirty="0" smtClean="0"/>
+              <a:rPr lang="de-DE" sz="2400" dirty="0"/>
+              <a:t>Background </a:t>
+            </a:r>
+            <a:r>
+              <a:rPr lang="de-DE" sz="2400" dirty="0" err="1"/>
+              <a:t>tasks</a:t>
+            </a:r>
+            <a:endParaRPr lang="de-DE" sz="2400" dirty="0"/>
           </a:p>
           <a:p>
             <a:pPr lvl="1"/>
             <a:r>
-              <a:rPr lang="de-DE" sz="2400" dirty="0" smtClean="0"/>
-              <a:t>Background </a:t>
-            </a:r>
-            <a:r>
-              <a:rPr lang="de-DE" sz="2400" dirty="0" err="1" smtClean="0"/>
-              <a:t>tasks</a:t>
-            </a:r>
-            <a:endParaRPr lang="de-DE" sz="2400" dirty="0" smtClean="0"/>
+              <a:rPr lang="de-DE" sz="2400" dirty="0" err="1"/>
+              <a:t>Automatic</a:t>
+            </a:r>
+            <a:r>
+              <a:rPr lang="de-DE" sz="2400" dirty="0"/>
+              <a:t> Module </a:t>
+            </a:r>
+            <a:r>
+              <a:rPr lang="de-DE" sz="2400" dirty="0" err="1"/>
+              <a:t>import</a:t>
+            </a:r>
+            <a:endParaRPr lang="de-DE" sz="2400" dirty="0"/>
           </a:p>
           <a:p>
             <a:pPr lvl="1"/>
             <a:r>
-              <a:rPr lang="de-DE" sz="2400" dirty="0" err="1" smtClean="0"/>
-              <a:t>Automatic</a:t>
-            </a:r>
-            <a:r>
-              <a:rPr lang="de-DE" sz="2400" dirty="0" smtClean="0"/>
-              <a:t> Module </a:t>
-            </a:r>
-            <a:r>
-              <a:rPr lang="de-DE" sz="2400" dirty="0" err="1" smtClean="0"/>
-              <a:t>import</a:t>
-            </a:r>
-            <a:endParaRPr lang="de-DE" sz="2400" dirty="0" smtClean="0"/>
+              <a:rPr lang="de-DE" sz="2400" dirty="0" err="1"/>
+              <a:t>PowerShell</a:t>
+            </a:r>
+            <a:r>
+              <a:rPr lang="de-DE" sz="2400" dirty="0"/>
+              <a:t> Events</a:t>
+            </a:r>
           </a:p>
           <a:p>
             <a:pPr lvl="1"/>
             <a:r>
-              <a:rPr lang="de-DE" sz="2400" dirty="0" err="1" smtClean="0"/>
-              <a:t>PowerShell</a:t>
-            </a:r>
-            <a:r>
-              <a:rPr lang="de-DE" sz="2400" dirty="0" smtClean="0"/>
-              <a:t> Events</a:t>
-            </a:r>
-          </a:p>
-          <a:p>
-            <a:pPr lvl="1"/>
-            <a:r>
-              <a:rPr lang="de-DE" sz="2400" dirty="0" smtClean="0"/>
+              <a:rPr lang="de-DE" sz="2400" dirty="0"/>
               <a:t>…</a:t>
             </a:r>
-            <a:endParaRPr lang="de-DE" sz="2400" dirty="0"/>
           </a:p>
         </p:txBody>
       </p:sp>
@@ -9667,13 +9581,6 @@
   <p:clrMapOvr>
     <a:masterClrMapping/>
   </p:clrMapOvr>
-  <p:timing>
-    <p:tnLst>
-      <p:par>
-        <p:cTn id="1" dur="indefinite" restart="never" nodeType="tmRoot"/>
-      </p:par>
-    </p:tnLst>
-  </p:timing>
 </p:sld>
 </file>
 
@@ -9710,10 +9617,9 @@
           <a:lstStyle/>
           <a:p>
             <a:r>
-              <a:rPr lang="de-DE" dirty="0" smtClean="0"/>
+              <a:rPr lang="de-DE" dirty="0"/>
               <a:t>Solution 1) Environment Variables</a:t>
             </a:r>
-            <a:endParaRPr lang="de-DE" dirty="0"/>
           </a:p>
         </p:txBody>
       </p:sp>
@@ -9735,63 +9641,62 @@
           <a:lstStyle/>
           <a:p>
             <a:r>
-              <a:rPr lang="de-DE" sz="3200" dirty="0" smtClean="0"/>
+              <a:rPr lang="de-DE" sz="3200" dirty="0"/>
               <a:t>Hard </a:t>
             </a:r>
             <a:r>
-              <a:rPr lang="de-DE" sz="3200" dirty="0" err="1" smtClean="0"/>
+              <a:rPr lang="de-DE" sz="3200" dirty="0" err="1"/>
               <a:t>to</a:t>
             </a:r>
             <a:r>
-              <a:rPr lang="de-DE" sz="3200" dirty="0" smtClean="0"/>
+              <a:rPr lang="de-DE" sz="3200" dirty="0"/>
               <a:t> </a:t>
             </a:r>
             <a:r>
-              <a:rPr lang="de-DE" sz="3200" dirty="0" err="1" smtClean="0"/>
+              <a:rPr lang="de-DE" sz="3200" dirty="0" err="1"/>
               <a:t>document</a:t>
             </a:r>
-            <a:endParaRPr lang="de-DE" sz="3200" dirty="0" smtClean="0"/>
-          </a:p>
-          <a:p>
-            <a:r>
-              <a:rPr lang="de-DE" sz="3200" dirty="0" smtClean="0"/>
+            <a:endParaRPr lang="de-DE" sz="3200" dirty="0"/>
+          </a:p>
+          <a:p>
+            <a:r>
+              <a:rPr lang="de-DE" sz="3200" dirty="0"/>
               <a:t>Hard </a:t>
             </a:r>
             <a:r>
-              <a:rPr lang="de-DE" sz="3200" dirty="0" err="1" smtClean="0"/>
+              <a:rPr lang="de-DE" sz="3200" dirty="0" err="1"/>
               <a:t>to</a:t>
             </a:r>
             <a:r>
-              <a:rPr lang="de-DE" sz="3200" dirty="0" smtClean="0"/>
+              <a:rPr lang="de-DE" sz="3200" dirty="0"/>
               <a:t> </a:t>
             </a:r>
             <a:r>
-              <a:rPr lang="de-DE" sz="3200" dirty="0" err="1" smtClean="0"/>
+              <a:rPr lang="de-DE" sz="3200" dirty="0" err="1"/>
               <a:t>maintain</a:t>
             </a:r>
-            <a:endParaRPr lang="de-DE" sz="3200" dirty="0" smtClean="0"/>
-          </a:p>
-          <a:p>
-            <a:r>
-              <a:rPr lang="de-DE" sz="3200" dirty="0" err="1" smtClean="0"/>
+            <a:endParaRPr lang="de-DE" sz="3200" dirty="0"/>
+          </a:p>
+          <a:p>
+            <a:r>
+              <a:rPr lang="de-DE" sz="3200" dirty="0" err="1"/>
               <a:t>Unreliable</a:t>
             </a:r>
-            <a:endParaRPr lang="de-DE" sz="3200" dirty="0" smtClean="0"/>
-          </a:p>
-          <a:p>
-            <a:r>
-              <a:rPr lang="de-DE" sz="3200" dirty="0" smtClean="0"/>
+            <a:endParaRPr lang="de-DE" sz="3200" dirty="0"/>
+          </a:p>
+          <a:p>
+            <a:r>
+              <a:rPr lang="de-DE" sz="3200" dirty="0"/>
               <a:t>Easy </a:t>
             </a:r>
             <a:r>
-              <a:rPr lang="de-DE" sz="3200" dirty="0" err="1" smtClean="0"/>
+              <a:rPr lang="de-DE" sz="3200" dirty="0" err="1"/>
               <a:t>to</a:t>
             </a:r>
             <a:r>
-              <a:rPr lang="de-DE" sz="3200" dirty="0" smtClean="0"/>
+              <a:rPr lang="de-DE" sz="3200" dirty="0"/>
               <a:t> break</a:t>
             </a:r>
-            <a:endParaRPr lang="de-DE" sz="3200" dirty="0"/>
           </a:p>
         </p:txBody>
       </p:sp>
@@ -9805,13 +9710,6 @@
   <p:clrMapOvr>
     <a:masterClrMapping/>
   </p:clrMapOvr>
-  <p:timing>
-    <p:tnLst>
-      <p:par>
-        <p:cTn id="1" dur="indefinite" restart="never" nodeType="tmRoot"/>
-      </p:par>
-    </p:tnLst>
-  </p:timing>
 </p:sld>
 </file>
 
@@ -9848,10 +9746,9 @@
           <a:lstStyle/>
           <a:p>
             <a:r>
-              <a:rPr lang="de-DE" dirty="0" smtClean="0"/>
+              <a:rPr lang="de-DE" dirty="0"/>
               <a:t>Solution 2) "Options" Command</a:t>
             </a:r>
-            <a:endParaRPr lang="de-DE" dirty="0"/>
           </a:p>
         </p:txBody>
       </p:sp>
@@ -9873,19 +9770,19 @@
           <a:lstStyle/>
           <a:p>
             <a:r>
-              <a:rPr lang="de-DE" sz="3200" dirty="0" smtClean="0"/>
+              <a:rPr lang="de-DE" sz="3200" dirty="0"/>
               <a:t>As </a:t>
             </a:r>
             <a:r>
-              <a:rPr lang="de-DE" sz="3200" dirty="0" err="1" smtClean="0"/>
+              <a:rPr lang="de-DE" sz="3200" dirty="0" err="1"/>
               <a:t>seen</a:t>
             </a:r>
             <a:r>
-              <a:rPr lang="de-DE" sz="3200" dirty="0" smtClean="0"/>
+              <a:rPr lang="de-DE" sz="3200" dirty="0"/>
               <a:t> in </a:t>
             </a:r>
             <a:r>
-              <a:rPr lang="de-DE" sz="3200" dirty="0" err="1" smtClean="0"/>
+              <a:rPr lang="de-DE" sz="3200" dirty="0" err="1"/>
               <a:t>PSReadline</a:t>
             </a:r>
             <a:r>
@@ -9893,85 +9790,81 @@
               <a:t>: </a:t>
             </a:r>
             <a:r>
-              <a:rPr lang="de-DE" sz="3200" dirty="0" err="1" smtClean="0"/>
+              <a:rPr lang="de-DE" sz="3200" dirty="0" err="1"/>
               <a:t>Get-PSReadlineOption</a:t>
             </a:r>
             <a:r>
               <a:rPr lang="de-DE" sz="3200" dirty="0"/>
-              <a:t> &amp; </a:t>
-            </a:r>
-            <a:r>
-              <a:rPr lang="de-DE" sz="3200" dirty="0" smtClean="0"/>
-              <a:t>Set-</a:t>
-            </a:r>
-            <a:r>
-              <a:rPr lang="de-DE" sz="3200" dirty="0" err="1" smtClean="0"/>
+              <a:t> &amp; Set-</a:t>
+            </a:r>
+            <a:r>
+              <a:rPr lang="de-DE" sz="3200" dirty="0" err="1"/>
               <a:t>PSReadlineOption</a:t>
             </a:r>
             <a:endParaRPr lang="de-DE" sz="3200" dirty="0"/>
           </a:p>
           <a:p>
             <a:r>
-              <a:rPr lang="de-DE" sz="3200" dirty="0" smtClean="0"/>
+              <a:rPr lang="de-DE" sz="3200" dirty="0"/>
               <a:t>Proliferation </a:t>
             </a:r>
             <a:r>
-              <a:rPr lang="de-DE" sz="3200" dirty="0" err="1" smtClean="0"/>
+              <a:rPr lang="de-DE" sz="3200" dirty="0" err="1"/>
               <a:t>of</a:t>
             </a:r>
             <a:r>
-              <a:rPr lang="de-DE" sz="3200" dirty="0" smtClean="0"/>
+              <a:rPr lang="de-DE" sz="3200" dirty="0"/>
               <a:t> </a:t>
             </a:r>
             <a:r>
-              <a:rPr lang="de-DE" sz="3200" dirty="0" err="1" smtClean="0"/>
+              <a:rPr lang="de-DE" sz="3200" dirty="0" err="1"/>
               <a:t>configuration</a:t>
             </a:r>
             <a:r>
-              <a:rPr lang="de-DE" sz="3200" dirty="0" smtClean="0"/>
+              <a:rPr lang="de-DE" sz="3200" dirty="0"/>
               <a:t> </a:t>
             </a:r>
             <a:r>
-              <a:rPr lang="de-DE" sz="3200" dirty="0" err="1" smtClean="0"/>
+              <a:rPr lang="de-DE" sz="3200" dirty="0" err="1"/>
               <a:t>commands</a:t>
             </a:r>
             <a:endParaRPr lang="de-DE" sz="3200" dirty="0"/>
           </a:p>
           <a:p>
             <a:r>
-              <a:rPr lang="de-DE" sz="3200" dirty="0" err="1" smtClean="0"/>
+              <a:rPr lang="de-DE" sz="3200" dirty="0" err="1"/>
               <a:t>Scaling</a:t>
             </a:r>
             <a:r>
-              <a:rPr lang="de-DE" sz="3200" dirty="0" smtClean="0"/>
+              <a:rPr lang="de-DE" sz="3200" dirty="0"/>
               <a:t> </a:t>
             </a:r>
             <a:r>
-              <a:rPr lang="de-DE" sz="3200" dirty="0" err="1" smtClean="0"/>
+              <a:rPr lang="de-DE" sz="3200" dirty="0" err="1"/>
               <a:t>issue</a:t>
             </a:r>
             <a:r>
-              <a:rPr lang="de-DE" sz="3200" dirty="0" smtClean="0"/>
+              <a:rPr lang="de-DE" sz="3200" dirty="0"/>
               <a:t> </a:t>
             </a:r>
             <a:r>
-              <a:rPr lang="de-DE" sz="3200" dirty="0" err="1" smtClean="0"/>
+              <a:rPr lang="de-DE" sz="3200" dirty="0" err="1"/>
               <a:t>as</a:t>
             </a:r>
             <a:r>
-              <a:rPr lang="de-DE" sz="3200" dirty="0" smtClean="0"/>
+              <a:rPr lang="de-DE" sz="3200" dirty="0"/>
               <a:t> </a:t>
             </a:r>
             <a:r>
-              <a:rPr lang="de-DE" sz="3200" dirty="0" err="1" smtClean="0"/>
+              <a:rPr lang="de-DE" sz="3200" dirty="0" err="1"/>
               <a:t>parameters</a:t>
             </a:r>
             <a:r>
-              <a:rPr lang="de-DE" sz="3200" dirty="0" smtClean="0"/>
+              <a:rPr lang="de-DE" sz="3200" dirty="0"/>
               <a:t> </a:t>
             </a:r>
             <a:r>
-              <a:rPr lang="de-DE" sz="3200" dirty="0" err="1" smtClean="0"/>
+              <a:rPr lang="de-DE" sz="3200" dirty="0" err="1"/>
               <a:t>proliferate</a:t>
             </a:r>
             <a:endParaRPr lang="de-DE" sz="3200" dirty="0"/>
@@ -9988,13 +9881,6 @@
   <p:clrMapOvr>
     <a:masterClrMapping/>
   </p:clrMapOvr>
-  <p:timing>
-    <p:tnLst>
-      <p:par>
-        <p:cTn id="1" dur="indefinite" restart="never" nodeType="tmRoot"/>
-      </p:par>
-    </p:tnLst>
-  </p:timing>
 </p:sld>
 </file>
 
@@ -10031,15 +9917,15 @@
           <a:lstStyle/>
           <a:p>
             <a:r>
-              <a:rPr lang="de-DE" dirty="0" err="1" smtClean="0"/>
+              <a:rPr lang="de-DE" dirty="0" err="1"/>
               <a:t>PSFramework</a:t>
             </a:r>
             <a:r>
-              <a:rPr lang="de-DE" dirty="0" smtClean="0"/>
+              <a:rPr lang="de-DE" dirty="0"/>
               <a:t>: </a:t>
             </a:r>
             <a:r>
-              <a:rPr lang="de-DE" dirty="0" err="1" smtClean="0"/>
+              <a:rPr lang="de-DE" dirty="0" err="1"/>
               <a:t>Configuration</a:t>
             </a:r>
             <a:endParaRPr lang="de-DE" dirty="0"/>
@@ -10062,10 +9948,9 @@
           <a:lstStyle/>
           <a:p>
             <a:r>
-              <a:rPr lang="de-DE" dirty="0" smtClean="0"/>
+              <a:rPr lang="de-DE" dirty="0"/>
               <a:t>Chapter 2</a:t>
             </a:r>
-            <a:endParaRPr lang="de-DE" dirty="0"/>
           </a:p>
         </p:txBody>
       </p:sp>
@@ -10079,13 +9964,6 @@
   <p:clrMapOvr>
     <a:masterClrMapping/>
   </p:clrMapOvr>
-  <p:timing>
-    <p:tnLst>
-      <p:par>
-        <p:cTn id="1" dur="indefinite" restart="never" nodeType="tmRoot"/>
-      </p:par>
-    </p:tnLst>
-  </p:timing>
 </p:sld>
 </file>
 
@@ -10122,11 +10000,11 @@
           <a:lstStyle/>
           <a:p>
             <a:r>
-              <a:rPr lang="de-DE" dirty="0" smtClean="0"/>
+              <a:rPr lang="de-DE" dirty="0"/>
               <a:t>The </a:t>
             </a:r>
             <a:r>
-              <a:rPr lang="de-DE" dirty="0" err="1" smtClean="0"/>
+              <a:rPr lang="de-DE" dirty="0" err="1"/>
               <a:t>PSFramework</a:t>
             </a:r>
             <a:endParaRPr lang="de-DE" dirty="0"/>
@@ -10149,136 +10027,136 @@
           <a:lstStyle/>
           <a:p>
             <a:r>
-              <a:rPr lang="de-DE" dirty="0" smtClean="0"/>
+              <a:rPr lang="de-DE" dirty="0"/>
               <a:t>Scripting Framework</a:t>
             </a:r>
           </a:p>
           <a:p>
             <a:r>
-              <a:rPr lang="de-DE" dirty="0" smtClean="0"/>
+              <a:rPr lang="de-DE" dirty="0"/>
               <a:t>Powerful </a:t>
             </a:r>
             <a:r>
-              <a:rPr lang="de-DE" dirty="0" err="1" smtClean="0"/>
+              <a:rPr lang="de-DE" dirty="0" err="1"/>
               <a:t>tools</a:t>
             </a:r>
             <a:r>
-              <a:rPr lang="de-DE" dirty="0" smtClean="0"/>
+              <a:rPr lang="de-DE" dirty="0"/>
               <a:t> </a:t>
             </a:r>
             <a:r>
-              <a:rPr lang="de-DE" dirty="0" err="1" smtClean="0"/>
+              <a:rPr lang="de-DE" dirty="0" err="1"/>
               <a:t>to</a:t>
             </a:r>
             <a:r>
-              <a:rPr lang="de-DE" dirty="0" smtClean="0"/>
+              <a:rPr lang="de-DE" dirty="0"/>
               <a:t> </a:t>
             </a:r>
             <a:r>
-              <a:rPr lang="de-DE" dirty="0" err="1" smtClean="0"/>
+              <a:rPr lang="de-DE" dirty="0" err="1"/>
               <a:t>simplify</a:t>
             </a:r>
             <a:r>
-              <a:rPr lang="de-DE" dirty="0" smtClean="0"/>
+              <a:rPr lang="de-DE" dirty="0"/>
               <a:t> </a:t>
             </a:r>
             <a:r>
-              <a:rPr lang="de-DE" dirty="0" err="1" smtClean="0"/>
+              <a:rPr lang="de-DE" dirty="0" err="1"/>
               <a:t>and</a:t>
             </a:r>
             <a:r>
-              <a:rPr lang="de-DE" dirty="0" smtClean="0"/>
+              <a:rPr lang="de-DE" dirty="0"/>
               <a:t> </a:t>
             </a:r>
             <a:r>
-              <a:rPr lang="de-DE" dirty="0" err="1" smtClean="0"/>
+              <a:rPr lang="de-DE" dirty="0" err="1"/>
               <a:t>accelerate</a:t>
             </a:r>
             <a:r>
-              <a:rPr lang="de-DE" dirty="0" smtClean="0"/>
+              <a:rPr lang="de-DE" dirty="0"/>
               <a:t> </a:t>
             </a:r>
             <a:r>
-              <a:rPr lang="de-DE" dirty="0" err="1" smtClean="0"/>
+              <a:rPr lang="de-DE" dirty="0" err="1"/>
               <a:t>code</a:t>
             </a:r>
             <a:r>
-              <a:rPr lang="de-DE" dirty="0" smtClean="0"/>
+              <a:rPr lang="de-DE" dirty="0"/>
               <a:t> </a:t>
             </a:r>
             <a:r>
-              <a:rPr lang="de-DE" dirty="0" err="1" smtClean="0"/>
+              <a:rPr lang="de-DE" dirty="0" err="1"/>
               <a:t>development</a:t>
             </a:r>
-            <a:endParaRPr lang="de-DE" dirty="0" smtClean="0"/>
-          </a:p>
-          <a:p>
-            <a:r>
-              <a:rPr lang="de-DE" dirty="0" smtClean="0"/>
+            <a:endParaRPr lang="de-DE" dirty="0"/>
+          </a:p>
+          <a:p>
+            <a:r>
+              <a:rPr lang="de-DE" dirty="0"/>
               <a:t>SOLID "</a:t>
             </a:r>
             <a:r>
-              <a:rPr lang="de-DE" dirty="0" err="1" smtClean="0"/>
+              <a:rPr lang="de-DE" dirty="0" err="1"/>
               <a:t>Compliant</a:t>
             </a:r>
             <a:r>
-              <a:rPr lang="de-DE" dirty="0" smtClean="0"/>
+              <a:rPr lang="de-DE" dirty="0"/>
               <a:t>"</a:t>
             </a:r>
           </a:p>
           <a:p>
             <a:r>
-              <a:rPr lang="de-DE" dirty="0" err="1" smtClean="0"/>
+              <a:rPr lang="de-DE" dirty="0" err="1"/>
               <a:t>Includes</a:t>
             </a:r>
             <a:r>
-              <a:rPr lang="de-DE" dirty="0" smtClean="0"/>
+              <a:rPr lang="de-DE" dirty="0"/>
               <a:t> </a:t>
             </a:r>
             <a:r>
-              <a:rPr lang="de-DE" dirty="0" err="1" smtClean="0"/>
+              <a:rPr lang="de-DE" dirty="0" err="1"/>
               <a:t>Configuration</a:t>
             </a:r>
             <a:r>
-              <a:rPr lang="de-DE" dirty="0" smtClean="0"/>
+              <a:rPr lang="de-DE" dirty="0"/>
               <a:t> System</a:t>
             </a:r>
           </a:p>
           <a:p>
-            <a:endParaRPr lang="de-DE" dirty="0" smtClean="0"/>
-          </a:p>
-          <a:p>
-            <a:r>
-              <a:rPr lang="de-DE" dirty="0" err="1" smtClean="0"/>
+            <a:endParaRPr lang="de-DE" dirty="0"/>
+          </a:p>
+          <a:p>
+            <a:r>
+              <a:rPr lang="de-DE" dirty="0" err="1"/>
               <a:t>Install</a:t>
             </a:r>
             <a:r>
-              <a:rPr lang="de-DE" dirty="0" smtClean="0"/>
+              <a:rPr lang="de-DE" dirty="0"/>
               <a:t>-Module </a:t>
             </a:r>
             <a:r>
-              <a:rPr lang="de-DE" dirty="0" err="1" smtClean="0"/>
+              <a:rPr lang="de-DE" dirty="0" err="1"/>
               <a:t>PSFramework</a:t>
             </a:r>
-            <a:endParaRPr lang="de-DE" dirty="0" smtClean="0"/>
-          </a:p>
-          <a:p>
-            <a:r>
-              <a:rPr lang="de-DE" dirty="0" smtClean="0">
+            <a:endParaRPr lang="de-DE" dirty="0"/>
+          </a:p>
+          <a:p>
+            <a:r>
+              <a:rPr lang="de-DE" dirty="0">
                 <a:hlinkClick r:id="rId2"/>
               </a:rPr>
               <a:t>https://psframework.org</a:t>
             </a:r>
-            <a:endParaRPr lang="de-DE" dirty="0" smtClean="0"/>
-          </a:p>
-          <a:p>
-            <a:r>
-              <a:rPr lang="de-DE" dirty="0" smtClean="0">
+            <a:endParaRPr lang="de-DE" dirty="0"/>
+          </a:p>
+          <a:p>
+            <a:r>
+              <a:rPr lang="de-DE" dirty="0">
                 <a:hlinkClick r:id="rId3"/>
               </a:rPr>
               <a:t>https://github.com/powershellframeworkcollective/PSFramework</a:t>
             </a:r>
-            <a:endParaRPr lang="de-DE" dirty="0" smtClean="0"/>
+            <a:endParaRPr lang="de-DE" dirty="0"/>
           </a:p>
           <a:p>
             <a:endParaRPr lang="de-DE" dirty="0"/>
@@ -10295,13 +10173,6 @@
   <p:clrMapOvr>
     <a:masterClrMapping/>
   </p:clrMapOvr>
-  <p:timing>
-    <p:tnLst>
-      <p:par>
-        <p:cTn id="1" dur="indefinite" restart="never" nodeType="tmRoot"/>
-      </p:par>
-    </p:tnLst>
-  </p:timing>
 </p:sld>
 </file>
 
